--- a/Presentations/AI - Greedy.pptx
+++ b/Presentations/AI - Greedy.pptx
@@ -5,7 +5,7 @@
     <p:sldMasterId id="2147483648" r:id="rId1"/>
   </p:sldMasterIdLst>
   <p:notesMasterIdLst>
-    <p:notesMasterId r:id="rId13"/>
+    <p:notesMasterId r:id="rId15"/>
   </p:notesMasterIdLst>
   <p:sldIdLst>
     <p:sldId id="256" r:id="rId2"/>
@@ -16,9 +16,11 @@
     <p:sldId id="283" r:id="rId7"/>
     <p:sldId id="287" r:id="rId8"/>
     <p:sldId id="288" r:id="rId9"/>
-    <p:sldId id="289" r:id="rId10"/>
-    <p:sldId id="290" r:id="rId11"/>
-    <p:sldId id="291" r:id="rId12"/>
+    <p:sldId id="292" r:id="rId10"/>
+    <p:sldId id="289" r:id="rId11"/>
+    <p:sldId id="290" r:id="rId12"/>
+    <p:sldId id="291" r:id="rId13"/>
+    <p:sldId id="293" r:id="rId14"/>
   </p:sldIdLst>
   <p:sldSz cx="9144000" cy="6858000" type="screen4x3"/>
   <p:notesSz cx="6858000" cy="9144000"/>
@@ -202,7 +204,7 @@
           <a:p>
             <a:fld id="{FAF957FC-5175-49AC-8D2B-2F056FFFC1DD}" type="datetimeFigureOut">
               <a:rPr lang="en-US" smtClean="0"/>
-              <a:t>7/1/2017</a:t>
+              <a:t>7/2/2017</a:t>
             </a:fld>
             <a:endParaRPr lang="en-US"/>
           </a:p>
@@ -470,6 +472,174 @@
 </p:notesMaster>
 </file>
 
+<file path=ppt/notesSlides/notesSlide1.xml><?xml version="1.0" encoding="utf-8"?>
+<p:notes xmlns:a="http://schemas.openxmlformats.org/drawingml/2006/main" xmlns:r="http://schemas.openxmlformats.org/officeDocument/2006/relationships" xmlns:p="http://schemas.openxmlformats.org/presentationml/2006/main">
+  <p:cSld>
+    <p:spTree>
+      <p:nvGrpSpPr>
+        <p:cNvPr id="1" name=""/>
+        <p:cNvGrpSpPr/>
+        <p:nvPr/>
+      </p:nvGrpSpPr>
+      <p:grpSpPr>
+        <a:xfrm>
+          <a:off x="0" y="0"/>
+          <a:ext cx="0" cy="0"/>
+          <a:chOff x="0" y="0"/>
+          <a:chExt cx="0" cy="0"/>
+        </a:xfrm>
+      </p:grpSpPr>
+      <p:sp>
+        <p:nvSpPr>
+          <p:cNvPr id="2" name="Slide Image Placeholder 1"/>
+          <p:cNvSpPr>
+            <a:spLocks noGrp="1" noRot="1" noChangeAspect="1"/>
+          </p:cNvSpPr>
+          <p:nvPr>
+            <p:ph type="sldImg"/>
+          </p:nvPr>
+        </p:nvSpPr>
+        <p:spPr/>
+      </p:sp>
+      <p:sp>
+        <p:nvSpPr>
+          <p:cNvPr id="3" name="Notes Placeholder 2"/>
+          <p:cNvSpPr>
+            <a:spLocks noGrp="1"/>
+          </p:cNvSpPr>
+          <p:nvPr>
+            <p:ph type="body" idx="1"/>
+          </p:nvPr>
+        </p:nvSpPr>
+        <p:spPr/>
+        <p:txBody>
+          <a:bodyPr/>
+          <a:lstStyle/>
+          <a:p>
+            <a:endParaRPr lang="en-US" dirty="0"/>
+          </a:p>
+        </p:txBody>
+      </p:sp>
+      <p:sp>
+        <p:nvSpPr>
+          <p:cNvPr id="4" name="Slide Number Placeholder 3"/>
+          <p:cNvSpPr>
+            <a:spLocks noGrp="1"/>
+          </p:cNvSpPr>
+          <p:nvPr>
+            <p:ph type="sldNum" sz="quarter" idx="10"/>
+          </p:nvPr>
+        </p:nvSpPr>
+        <p:spPr/>
+        <p:txBody>
+          <a:bodyPr/>
+          <a:lstStyle/>
+          <a:p>
+            <a:fld id="{F06D5892-0430-4AF2-93AC-99DFD0427A02}" type="slidenum">
+              <a:rPr lang="en-US" smtClean="0"/>
+              <a:t>9</a:t>
+            </a:fld>
+            <a:endParaRPr lang="en-US"/>
+          </a:p>
+        </p:txBody>
+      </p:sp>
+    </p:spTree>
+    <p:extLst>
+      <p:ext uri="{BB962C8B-B14F-4D97-AF65-F5344CB8AC3E}">
+        <p14:creationId xmlns:p14="http://schemas.microsoft.com/office/powerpoint/2010/main" val="1233072866"/>
+      </p:ext>
+    </p:extLst>
+  </p:cSld>
+  <p:clrMapOvr>
+    <a:masterClrMapping/>
+  </p:clrMapOvr>
+</p:notes>
+</file>
+
+<file path=ppt/notesSlides/notesSlide2.xml><?xml version="1.0" encoding="utf-8"?>
+<p:notes xmlns:a="http://schemas.openxmlformats.org/drawingml/2006/main" xmlns:r="http://schemas.openxmlformats.org/officeDocument/2006/relationships" xmlns:p="http://schemas.openxmlformats.org/presentationml/2006/main">
+  <p:cSld>
+    <p:spTree>
+      <p:nvGrpSpPr>
+        <p:cNvPr id="1" name=""/>
+        <p:cNvGrpSpPr/>
+        <p:nvPr/>
+      </p:nvGrpSpPr>
+      <p:grpSpPr>
+        <a:xfrm>
+          <a:off x="0" y="0"/>
+          <a:ext cx="0" cy="0"/>
+          <a:chOff x="0" y="0"/>
+          <a:chExt cx="0" cy="0"/>
+        </a:xfrm>
+      </p:grpSpPr>
+      <p:sp>
+        <p:nvSpPr>
+          <p:cNvPr id="2" name="Slide Image Placeholder 1"/>
+          <p:cNvSpPr>
+            <a:spLocks noGrp="1" noRot="1" noChangeAspect="1"/>
+          </p:cNvSpPr>
+          <p:nvPr>
+            <p:ph type="sldImg"/>
+          </p:nvPr>
+        </p:nvSpPr>
+        <p:spPr/>
+      </p:sp>
+      <p:sp>
+        <p:nvSpPr>
+          <p:cNvPr id="3" name="Notes Placeholder 2"/>
+          <p:cNvSpPr>
+            <a:spLocks noGrp="1"/>
+          </p:cNvSpPr>
+          <p:nvPr>
+            <p:ph type="body" idx="1"/>
+          </p:nvPr>
+        </p:nvSpPr>
+        <p:spPr/>
+        <p:txBody>
+          <a:bodyPr/>
+          <a:lstStyle/>
+          <a:p>
+            <a:endParaRPr lang="en-US" dirty="0"/>
+          </a:p>
+        </p:txBody>
+      </p:sp>
+      <p:sp>
+        <p:nvSpPr>
+          <p:cNvPr id="4" name="Slide Number Placeholder 3"/>
+          <p:cNvSpPr>
+            <a:spLocks noGrp="1"/>
+          </p:cNvSpPr>
+          <p:nvPr>
+            <p:ph type="sldNum" sz="quarter" idx="10"/>
+          </p:nvPr>
+        </p:nvSpPr>
+        <p:spPr/>
+        <p:txBody>
+          <a:bodyPr/>
+          <a:lstStyle/>
+          <a:p>
+            <a:fld id="{F06D5892-0430-4AF2-93AC-99DFD0427A02}" type="slidenum">
+              <a:rPr lang="en-US" smtClean="0"/>
+              <a:t>13</a:t>
+            </a:fld>
+            <a:endParaRPr lang="en-US"/>
+          </a:p>
+        </p:txBody>
+      </p:sp>
+    </p:spTree>
+    <p:extLst>
+      <p:ext uri="{BB962C8B-B14F-4D97-AF65-F5344CB8AC3E}">
+        <p14:creationId xmlns:p14="http://schemas.microsoft.com/office/powerpoint/2010/main" val="1233072866"/>
+      </p:ext>
+    </p:extLst>
+  </p:cSld>
+  <p:clrMapOvr>
+    <a:masterClrMapping/>
+  </p:clrMapOvr>
+</p:notes>
+</file>
+
 <file path=ppt/slideLayouts/slideLayout1.xml><?xml version="1.0" encoding="utf-8"?>
 <p:sldLayout xmlns:a="http://schemas.openxmlformats.org/drawingml/2006/main" xmlns:r="http://schemas.openxmlformats.org/officeDocument/2006/relationships" xmlns:p="http://schemas.openxmlformats.org/presentationml/2006/main" type="title" preserve="1">
   <p:cSld name="Title Slide">
@@ -652,7 +822,7 @@
             <a:fld id="{1D8BD707-D9CF-40AE-B4C6-C98DA3205C09}" type="datetimeFigureOut">
               <a:rPr lang="en-US" smtClean="0"/>
               <a:pPr/>
-              <a:t>7/1/2017</a:t>
+              <a:t>7/2/2017</a:t>
             </a:fld>
             <a:endParaRPr lang="en-US"/>
           </a:p>
@@ -819,7 +989,7 @@
             <a:fld id="{1D8BD707-D9CF-40AE-B4C6-C98DA3205C09}" type="datetimeFigureOut">
               <a:rPr lang="en-US" smtClean="0"/>
               <a:pPr/>
-              <a:t>7/1/2017</a:t>
+              <a:t>7/2/2017</a:t>
             </a:fld>
             <a:endParaRPr lang="en-US"/>
           </a:p>
@@ -996,7 +1166,7 @@
             <a:fld id="{1D8BD707-D9CF-40AE-B4C6-C98DA3205C09}" type="datetimeFigureOut">
               <a:rPr lang="en-US" smtClean="0"/>
               <a:pPr/>
-              <a:t>7/1/2017</a:t>
+              <a:t>7/2/2017</a:t>
             </a:fld>
             <a:endParaRPr lang="en-US"/>
           </a:p>
@@ -1163,7 +1333,7 @@
             <a:fld id="{1D8BD707-D9CF-40AE-B4C6-C98DA3205C09}" type="datetimeFigureOut">
               <a:rPr lang="en-US" smtClean="0"/>
               <a:pPr/>
-              <a:t>7/1/2017</a:t>
+              <a:t>7/2/2017</a:t>
             </a:fld>
             <a:endParaRPr lang="en-US"/>
           </a:p>
@@ -1406,7 +1576,7 @@
             <a:fld id="{1D8BD707-D9CF-40AE-B4C6-C98DA3205C09}" type="datetimeFigureOut">
               <a:rPr lang="en-US" smtClean="0"/>
               <a:pPr/>
-              <a:t>7/1/2017</a:t>
+              <a:t>7/2/2017</a:t>
             </a:fld>
             <a:endParaRPr lang="en-US"/>
           </a:p>
@@ -1691,7 +1861,7 @@
             <a:fld id="{1D8BD707-D9CF-40AE-B4C6-C98DA3205C09}" type="datetimeFigureOut">
               <a:rPr lang="en-US" smtClean="0"/>
               <a:pPr/>
-              <a:t>7/1/2017</a:t>
+              <a:t>7/2/2017</a:t>
             </a:fld>
             <a:endParaRPr lang="en-US"/>
           </a:p>
@@ -2110,7 +2280,7 @@
             <a:fld id="{1D8BD707-D9CF-40AE-B4C6-C98DA3205C09}" type="datetimeFigureOut">
               <a:rPr lang="en-US" smtClean="0"/>
               <a:pPr/>
-              <a:t>7/1/2017</a:t>
+              <a:t>7/2/2017</a:t>
             </a:fld>
             <a:endParaRPr lang="en-US"/>
           </a:p>
@@ -2225,7 +2395,7 @@
             <a:fld id="{1D8BD707-D9CF-40AE-B4C6-C98DA3205C09}" type="datetimeFigureOut">
               <a:rPr lang="en-US" smtClean="0"/>
               <a:pPr/>
-              <a:t>7/1/2017</a:t>
+              <a:t>7/2/2017</a:t>
             </a:fld>
             <a:endParaRPr lang="en-US"/>
           </a:p>
@@ -2317,7 +2487,7 @@
             <a:fld id="{1D8BD707-D9CF-40AE-B4C6-C98DA3205C09}" type="datetimeFigureOut">
               <a:rPr lang="en-US" smtClean="0"/>
               <a:pPr/>
-              <a:t>7/1/2017</a:t>
+              <a:t>7/2/2017</a:t>
             </a:fld>
             <a:endParaRPr lang="en-US"/>
           </a:p>
@@ -2591,7 +2761,7 @@
             <a:fld id="{1D8BD707-D9CF-40AE-B4C6-C98DA3205C09}" type="datetimeFigureOut">
               <a:rPr lang="en-US" smtClean="0"/>
               <a:pPr/>
-              <a:t>7/1/2017</a:t>
+              <a:t>7/2/2017</a:t>
             </a:fld>
             <a:endParaRPr lang="en-US"/>
           </a:p>
@@ -2841,7 +3011,7 @@
             <a:fld id="{1D8BD707-D9CF-40AE-B4C6-C98DA3205C09}" type="datetimeFigureOut">
               <a:rPr lang="en-US" smtClean="0"/>
               <a:pPr/>
-              <a:t>7/1/2017</a:t>
+              <a:t>7/2/2017</a:t>
             </a:fld>
             <a:endParaRPr lang="en-US"/>
           </a:p>
@@ -3051,7 +3221,7 @@
             <a:fld id="{1D8BD707-D9CF-40AE-B4C6-C98DA3205C09}" type="datetimeFigureOut">
               <a:rPr lang="en-US" smtClean="0"/>
               <a:pPr/>
-              <a:t>7/1/2017</a:t>
+              <a:t>7/2/2017</a:t>
             </a:fld>
             <a:endParaRPr lang="en-US"/>
           </a:p>
@@ -3639,17 +3809,7 @@
                   </a:schemeClr>
                 </a:solidFill>
               </a:rPr>
-              <a:t>A* </a:t>
-            </a:r>
-            <a:r>
-              <a:rPr lang="en-US" dirty="0" smtClean="0">
-                <a:solidFill>
-                  <a:schemeClr val="accent1">
-                    <a:lumMod val="75000"/>
-                  </a:schemeClr>
-                </a:solidFill>
-              </a:rPr>
-              <a:t>- Optimality</a:t>
+              <a:t>A* Algorithm</a:t>
             </a:r>
             <a:endParaRPr lang="en-US" dirty="0">
               <a:solidFill>
@@ -3700,8 +3860,8 @@
         </p:nvSpPr>
         <p:spPr>
           <a:xfrm>
-            <a:off x="152400" y="1164134"/>
-            <a:ext cx="8427820" cy="3785652"/>
+            <a:off x="28575" y="990600"/>
+            <a:ext cx="9127692" cy="5940088"/>
           </a:xfrm>
           <a:prstGeom prst="rect">
             <a:avLst/>
@@ -3726,7 +3886,7 @@
                   </a:schemeClr>
                 </a:solidFill>
               </a:rPr>
-              <a:t>The </a:t>
+              <a:t>A </a:t>
             </a:r>
             <a:r>
               <a:rPr lang="en-US" sz="2400" b="1" dirty="0" smtClean="0">
@@ -3736,7 +3896,7 @@
                   </a:schemeClr>
                 </a:solidFill>
               </a:rPr>
-              <a:t>A* </a:t>
+              <a:t>search method </a:t>
             </a:r>
             <a:r>
               <a:rPr lang="en-US" sz="2400" b="1" dirty="0" smtClean="0">
@@ -3746,17 +3906,19 @@
                   </a:schemeClr>
                 </a:solidFill>
               </a:rPr>
-              <a:t>method will always find the </a:t>
-            </a:r>
-            <a:r>
-              <a:rPr lang="en-US" sz="2400" b="1" u="sng" dirty="0" smtClean="0">
+              <a:t>of selecting the best local choice at each step</a:t>
+            </a:r>
+          </a:p>
+          <a:p>
+            <a:r>
+              <a:rPr lang="en-US" sz="2400" b="1" dirty="0">
                 <a:solidFill>
                   <a:schemeClr val="accent5">
                     <a:lumMod val="75000"/>
                   </a:schemeClr>
                 </a:solidFill>
               </a:rPr>
-              <a:t>optimal</a:t>
+              <a:t> </a:t>
             </a:r>
             <a:r>
               <a:rPr lang="en-US" sz="2400" b="1" dirty="0" smtClean="0">
@@ -3766,88 +3928,14 @@
                   </a:schemeClr>
                 </a:solidFill>
               </a:rPr>
-              <a:t> solution if</a:t>
-            </a:r>
-          </a:p>
-          <a:p>
-            <a:r>
-              <a:rPr lang="en-US" sz="2400" b="1" dirty="0">
-                <a:solidFill>
-                  <a:schemeClr val="accent5">
-                    <a:lumMod val="75000"/>
-                  </a:schemeClr>
-                </a:solidFill>
-              </a:rPr>
-              <a:t> </a:t>
-            </a:r>
-            <a:r>
-              <a:rPr lang="en-US" sz="2400" b="1" dirty="0" smtClean="0">
-                <a:solidFill>
-                  <a:schemeClr val="accent5">
-                    <a:lumMod val="75000"/>
-                  </a:schemeClr>
-                </a:solidFill>
-              </a:rPr>
-              <a:t>    the heuristic function </a:t>
-            </a:r>
-            <a:r>
-              <a:rPr lang="en-US" sz="2400" b="1" dirty="0" smtClean="0">
-                <a:solidFill>
-                  <a:schemeClr val="accent6">
-                    <a:lumMod val="75000"/>
-                  </a:schemeClr>
-                </a:solidFill>
-              </a:rPr>
-              <a:t>h(x)</a:t>
-            </a:r>
-            <a:r>
-              <a:rPr lang="en-US" sz="2400" b="1" dirty="0" smtClean="0">
-                <a:solidFill>
-                  <a:schemeClr val="accent5">
-                    <a:lumMod val="75000"/>
-                  </a:schemeClr>
-                </a:solidFill>
-              </a:rPr>
-              <a:t>, for all x, is always less than</a:t>
-            </a:r>
-          </a:p>
-          <a:p>
-            <a:r>
-              <a:rPr lang="en-US" sz="2400" b="1" dirty="0">
-                <a:solidFill>
-                  <a:schemeClr val="accent5">
-                    <a:lumMod val="75000"/>
-                  </a:schemeClr>
-                </a:solidFill>
-              </a:rPr>
-              <a:t> </a:t>
-            </a:r>
-            <a:r>
-              <a:rPr lang="en-US" sz="2400" b="1" dirty="0" smtClean="0">
-                <a:solidFill>
-                  <a:schemeClr val="accent5">
-                    <a:lumMod val="75000"/>
-                  </a:schemeClr>
-                </a:solidFill>
-              </a:rPr>
-              <a:t>    or equal the actual distance (cost) to the goal node, </a:t>
-            </a:r>
-            <a:r>
-              <a:rPr lang="en-US" sz="2400" b="1" dirty="0" smtClean="0">
-                <a:solidFill>
-                  <a:schemeClr val="accent6">
-                    <a:lumMod val="75000"/>
-                  </a:schemeClr>
-                </a:solidFill>
-              </a:rPr>
-              <a:t>h*(x)</a:t>
-            </a:r>
-            <a:r>
-              <a:rPr lang="en-US" sz="2400" b="1" dirty="0" smtClean="0"/>
-              <a:t>.</a:t>
-            </a:r>
-          </a:p>
-          <a:p>
+              <a:t>   in hopes of finding an optimal solution.</a:t>
+            </a:r>
+          </a:p>
+          <a:p>
+            <a:pPr marL="285750" indent="-285750">
+              <a:buFont typeface="Arial" panose="020B0604020202020204" pitchFamily="34" charset="0"/>
+              <a:buChar char="•"/>
+            </a:pPr>
             <a:endParaRPr lang="en-US" sz="2400" b="1" dirty="0">
               <a:solidFill>
                 <a:schemeClr val="accent5">
@@ -3857,50 +3945,132 @@
             </a:endParaRPr>
           </a:p>
           <a:p>
-            <a:r>
-              <a:rPr lang="en-US" sz="2400" b="1" dirty="0" smtClean="0">
+            <a:pPr marL="285750" indent="-285750">
+              <a:buFont typeface="Arial" panose="020B0604020202020204" pitchFamily="34" charset="0"/>
+              <a:buChar char="•"/>
+            </a:pPr>
+            <a:r>
+              <a:rPr lang="en-US" sz="2400" b="1" u="sng" dirty="0" smtClean="0">
                 <a:solidFill>
                   <a:schemeClr val="accent5">
                     <a:lumMod val="75000"/>
                   </a:schemeClr>
                 </a:solidFill>
               </a:rPr>
-              <a:t>			</a:t>
+              <a:t>Does</a:t>
             </a:r>
             <a:r>
               <a:rPr lang="en-US" sz="2400" b="1" dirty="0" smtClean="0">
                 <a:solidFill>
-                  <a:schemeClr val="accent6">
+                  <a:schemeClr val="accent5">
                     <a:lumMod val="75000"/>
                   </a:schemeClr>
                 </a:solidFill>
               </a:rPr>
-              <a:t>h(x) ≤ h*(x), for all x</a:t>
+              <a:t> consider how optimal the current solution is.</a:t>
             </a:r>
           </a:p>
           <a:p>
             <a:endParaRPr lang="en-US" sz="2400" b="1" dirty="0" smtClean="0">
               <a:solidFill>
-                <a:schemeClr val="accent6">
+                <a:schemeClr val="accent5">
                   <a:lumMod val="75000"/>
                 </a:schemeClr>
               </a:solidFill>
             </a:endParaRPr>
           </a:p>
           <a:p>
-            <a:endParaRPr lang="en-US" sz="2400" b="1" dirty="0">
+            <a:pPr marL="285750" indent="-285750">
+              <a:buFont typeface="Arial" panose="020B0604020202020204" pitchFamily="34" charset="0"/>
+              <a:buChar char="•"/>
+            </a:pPr>
+            <a:r>
+              <a:rPr lang="en-US" sz="2400" b="1" dirty="0" smtClean="0">
+                <a:solidFill>
+                  <a:schemeClr val="accent5">
+                    <a:lumMod val="75000"/>
+                  </a:schemeClr>
+                </a:solidFill>
+              </a:rPr>
+              <a:t>At each step, uses a heuristic h(x) to estimate the distance (cost) </a:t>
+            </a:r>
+            <a:br>
+              <a:rPr lang="en-US" sz="2400" b="1" dirty="0" smtClean="0">
+                <a:solidFill>
+                  <a:schemeClr val="accent5">
+                    <a:lumMod val="75000"/>
+                  </a:schemeClr>
+                </a:solidFill>
+              </a:rPr>
+            </a:br>
+            <a:r>
+              <a:rPr lang="en-US" sz="2400" b="1" dirty="0" smtClean="0">
+                <a:solidFill>
+                  <a:schemeClr val="accent5">
+                    <a:lumMod val="75000"/>
+                  </a:schemeClr>
+                </a:solidFill>
+              </a:rPr>
+              <a:t>of each local choice from the goal, plus the accumulated distance </a:t>
+            </a:r>
+          </a:p>
+          <a:p>
+            <a:r>
+              <a:rPr lang="en-US" sz="2400" b="1" dirty="0">
+                <a:solidFill>
+                  <a:schemeClr val="accent5">
+                    <a:lumMod val="75000"/>
+                  </a:schemeClr>
+                </a:solidFill>
+              </a:rPr>
+              <a:t> </a:t>
+            </a:r>
+            <a:r>
+              <a:rPr lang="en-US" sz="2400" b="1" dirty="0" smtClean="0">
+                <a:solidFill>
+                  <a:schemeClr val="accent5">
+                    <a:lumMod val="75000"/>
+                  </a:schemeClr>
+                </a:solidFill>
+              </a:rPr>
+              <a:t>   (cost) </a:t>
+            </a:r>
+            <a:r>
+              <a:rPr lang="en-US" sz="2400" b="1" dirty="0">
+                <a:solidFill>
+                  <a:schemeClr val="accent5">
+                    <a:lumMod val="75000"/>
+                  </a:schemeClr>
+                </a:solidFill>
+              </a:rPr>
+              <a:t>g(x) to the current state .</a:t>
+            </a:r>
+            <a:endParaRPr lang="en-US" sz="2400" b="1" dirty="0" smtClean="0">
               <a:solidFill>
-                <a:schemeClr val="accent6">
+                <a:schemeClr val="accent5">
                   <a:lumMod val="75000"/>
                 </a:schemeClr>
               </a:solidFill>
             </a:endParaRPr>
           </a:p>
           <a:p>
-            <a:pPr marL="342900" indent="-342900">
+            <a:pPr marL="285750" indent="-285750">
               <a:buFont typeface="Arial" panose="020B0604020202020204" pitchFamily="34" charset="0"/>
               <a:buChar char="•"/>
             </a:pPr>
+            <a:endParaRPr lang="en-US" sz="2400" b="1" dirty="0">
+              <a:solidFill>
+                <a:schemeClr val="accent5">
+                  <a:lumMod val="75000"/>
+                </a:schemeClr>
+              </a:solidFill>
+            </a:endParaRPr>
+          </a:p>
+          <a:p>
+            <a:pPr marL="285750" indent="-285750">
+              <a:buFont typeface="Arial" panose="020B0604020202020204" pitchFamily="34" charset="0"/>
+              <a:buChar char="•"/>
+            </a:pPr>
             <a:r>
               <a:rPr lang="en-US" sz="2400" b="1" dirty="0" smtClean="0">
                 <a:solidFill>
@@ -3909,269 +4079,173 @@
                   </a:schemeClr>
                 </a:solidFill>
               </a:rPr>
-              <a:t>When the </a:t>
-            </a:r>
-            <a:r>
-              <a:rPr lang="en-US" sz="2400" b="1" dirty="0">
-                <a:solidFill>
-                  <a:schemeClr val="accent5">
-                    <a:lumMod val="75000"/>
-                  </a:schemeClr>
-                </a:solidFill>
-              </a:rPr>
-              <a:t>heuristic </a:t>
-            </a:r>
-            <a:r>
-              <a:rPr lang="en-US" sz="2400" b="1" dirty="0">
+              <a:t>Steps:</a:t>
+            </a:r>
+          </a:p>
+          <a:p>
+            <a:pPr marL="971550" lvl="1" indent="-514350">
+              <a:buFont typeface="+mj-lt"/>
+              <a:buAutoNum type="arabicPeriod"/>
+            </a:pPr>
+            <a:r>
+              <a:rPr lang="en-US" sz="2000" b="1" dirty="0" smtClean="0">
                 <a:solidFill>
                   <a:schemeClr val="accent6">
-                    <a:lumMod val="75000"/>
-                  </a:schemeClr>
-                </a:solidFill>
-              </a:rPr>
-              <a:t>h(x) ≤ h*(x)</a:t>
-            </a:r>
-            <a:r>
-              <a:rPr lang="en-US" sz="2400" b="1" dirty="0">
-                <a:solidFill>
-                  <a:schemeClr val="accent5">
-                    <a:lumMod val="75000"/>
-                  </a:schemeClr>
-                </a:solidFill>
-              </a:rPr>
-              <a:t>, </a:t>
-            </a:r>
-            <a:r>
-              <a:rPr lang="en-US" sz="2400" b="1" dirty="0" smtClean="0">
-                <a:solidFill>
-                  <a:schemeClr val="accent5">
-                    <a:lumMod val="75000"/>
-                  </a:schemeClr>
-                </a:solidFill>
-              </a:rPr>
-              <a:t>and the evaluation function is</a:t>
-            </a:r>
-          </a:p>
-          <a:p>
-            <a:r>
-              <a:rPr lang="en-US" sz="2400" b="1" dirty="0">
-                <a:solidFill>
-                  <a:schemeClr val="accent5">
-                    <a:lumMod val="75000"/>
+                    <a:lumMod val="50000"/>
+                  </a:schemeClr>
+                </a:solidFill>
+              </a:rPr>
+              <a:t>Define a heuristic function h(x) to estimate the </a:t>
+            </a:r>
+          </a:p>
+          <a:p>
+            <a:pPr lvl="1"/>
+            <a:r>
+              <a:rPr lang="en-US" sz="2000" b="1" dirty="0">
+                <a:solidFill>
+                  <a:schemeClr val="accent6">
+                    <a:lumMod val="50000"/>
                   </a:schemeClr>
                 </a:solidFill>
               </a:rPr>
               <a:t> </a:t>
             </a:r>
             <a:r>
-              <a:rPr lang="en-US" sz="2400" b="1" dirty="0" smtClean="0">
-                <a:solidFill>
-                  <a:schemeClr val="accent5">
-                    <a:lumMod val="75000"/>
-                  </a:schemeClr>
-                </a:solidFill>
-              </a:rPr>
-              <a:t>    </a:t>
-            </a:r>
-            <a:r>
-              <a:rPr lang="en-US" sz="2400" b="1" dirty="0" smtClean="0">
+              <a:rPr lang="en-US" sz="2000" b="1" dirty="0" smtClean="0">
                 <a:solidFill>
                   <a:schemeClr val="accent6">
-                    <a:lumMod val="75000"/>
-                  </a:schemeClr>
-                </a:solidFill>
-              </a:rPr>
-              <a:t>f(x) = g(x) + h(x)</a:t>
-            </a:r>
-            <a:r>
-              <a:rPr lang="en-US" sz="2400" b="1" dirty="0" smtClean="0">
-                <a:solidFill>
-                  <a:srgbClr val="0070C0"/>
-                </a:solidFill>
-              </a:rPr>
-              <a:t>,</a:t>
-            </a:r>
-            <a:r>
-              <a:rPr lang="en-US" sz="2400" b="1" dirty="0" smtClean="0">
+                    <a:lumMod val="50000"/>
+                  </a:schemeClr>
+                </a:solidFill>
+              </a:rPr>
+              <a:t>      </a:t>
+            </a:r>
+            <a:r>
+              <a:rPr lang="en-US" sz="2000" b="1" dirty="0">
                 <a:solidFill>
                   <a:schemeClr val="accent6">
-                    <a:lumMod val="75000"/>
+                    <a:lumMod val="50000"/>
                   </a:schemeClr>
                 </a:solidFill>
               </a:rPr>
               <a:t> </a:t>
             </a:r>
             <a:r>
-              <a:rPr lang="en-US" sz="2400" b="1" dirty="0" smtClean="0">
-                <a:solidFill>
-                  <a:schemeClr val="accent5">
-                    <a:lumMod val="75000"/>
-                  </a:schemeClr>
-                </a:solidFill>
-              </a:rPr>
-              <a:t>the method is said to be optimal, since it will</a:t>
-            </a:r>
-          </a:p>
-          <a:p>
-            <a:r>
-              <a:rPr lang="en-US" sz="2400" b="1" dirty="0">
-                <a:solidFill>
-                  <a:schemeClr val="accent5">
-                    <a:lumMod val="75000"/>
+              <a:rPr lang="en-US" sz="2000" b="1" dirty="0" smtClean="0">
+                <a:solidFill>
+                  <a:schemeClr val="accent6">
+                    <a:lumMod val="50000"/>
+                  </a:schemeClr>
+                </a:solidFill>
+              </a:rPr>
+              <a:t>distance to the goal from any state.</a:t>
+            </a:r>
+          </a:p>
+          <a:p>
+            <a:pPr marL="914400" lvl="1" indent="-457200">
+              <a:buAutoNum type="arabicPeriod" startAt="2"/>
+            </a:pPr>
+            <a:r>
+              <a:rPr lang="en-US" sz="2000" b="1" dirty="0" smtClean="0">
+                <a:solidFill>
+                  <a:schemeClr val="accent6">
+                    <a:lumMod val="50000"/>
+                  </a:schemeClr>
+                </a:solidFill>
+              </a:rPr>
+              <a:t>Define a function g(x) for measuring the actual distance from the start state</a:t>
+            </a:r>
+          </a:p>
+          <a:p>
+            <a:pPr lvl="1"/>
+            <a:r>
+              <a:rPr lang="en-US" sz="2000" b="1" dirty="0" smtClean="0">
+                <a:solidFill>
+                  <a:schemeClr val="accent6">
+                    <a:lumMod val="50000"/>
+                  </a:schemeClr>
+                </a:solidFill>
+              </a:rPr>
+              <a:t>	to the current state.</a:t>
+            </a:r>
+          </a:p>
+          <a:p>
+            <a:pPr lvl="1"/>
+            <a:r>
+              <a:rPr lang="en-US" sz="2000" b="1" dirty="0" smtClean="0">
+                <a:solidFill>
+                  <a:schemeClr val="accent6">
+                    <a:lumMod val="50000"/>
+                  </a:schemeClr>
+                </a:solidFill>
+              </a:rPr>
+              <a:t>2.     From the current state, determine the search space</a:t>
+            </a:r>
+          </a:p>
+          <a:p>
+            <a:pPr lvl="1"/>
+            <a:r>
+              <a:rPr lang="en-US" sz="2000" b="1" dirty="0">
+                <a:solidFill>
+                  <a:schemeClr val="accent6">
+                    <a:lumMod val="50000"/>
                   </a:schemeClr>
                 </a:solidFill>
               </a:rPr>
               <a:t> </a:t>
             </a:r>
             <a:r>
-              <a:rPr lang="en-US" sz="2400" b="1" dirty="0" smtClean="0">
-                <a:solidFill>
-                  <a:schemeClr val="accent5">
-                    <a:lumMod val="75000"/>
-                  </a:schemeClr>
-                </a:solidFill>
-              </a:rPr>
-              <a:t>    always find the optimal solution.</a:t>
-            </a:r>
-          </a:p>
-        </p:txBody>
-      </p:sp>
-      <p:sp>
-        <p:nvSpPr>
-          <p:cNvPr id="3" name="TextBox 2"/>
-          <p:cNvSpPr txBox="1"/>
-          <p:nvPr/>
-        </p:nvSpPr>
-        <p:spPr>
-          <a:xfrm>
-            <a:off x="2400869" y="3231952"/>
-            <a:ext cx="820289" cy="307777"/>
-          </a:xfrm>
-          <a:prstGeom prst="rect">
-            <a:avLst/>
-          </a:prstGeom>
-          <a:noFill/>
-        </p:spPr>
-        <p:txBody>
-          <a:bodyPr wrap="none" rtlCol="0">
-            <a:spAutoFit/>
-          </a:bodyPr>
-          <a:lstStyle/>
-          <a:p>
-            <a:r>
-              <a:rPr lang="en-US" sz="1400" dirty="0" smtClean="0"/>
-              <a:t>Estimate</a:t>
-            </a:r>
-            <a:endParaRPr lang="en-US" sz="1400" dirty="0"/>
-          </a:p>
-        </p:txBody>
-      </p:sp>
-      <p:sp>
-        <p:nvSpPr>
-          <p:cNvPr id="6" name="TextBox 5"/>
-          <p:cNvSpPr txBox="1"/>
-          <p:nvPr/>
-        </p:nvSpPr>
-        <p:spPr>
-          <a:xfrm>
-            <a:off x="3962400" y="3366790"/>
-            <a:ext cx="647934" cy="307777"/>
-          </a:xfrm>
-          <a:prstGeom prst="rect">
-            <a:avLst/>
-          </a:prstGeom>
-          <a:noFill/>
-        </p:spPr>
-        <p:txBody>
-          <a:bodyPr wrap="none" rtlCol="0">
-            <a:spAutoFit/>
-          </a:bodyPr>
-          <a:lstStyle/>
-          <a:p>
-            <a:r>
-              <a:rPr lang="en-US" sz="1400" dirty="0" smtClean="0"/>
-              <a:t>Actual</a:t>
-            </a:r>
-            <a:endParaRPr lang="en-US" sz="1400" dirty="0"/>
-          </a:p>
-        </p:txBody>
-      </p:sp>
-      <p:cxnSp>
-        <p:nvCxnSpPr>
-          <p:cNvPr id="7" name="Curved Connector 6"/>
-          <p:cNvCxnSpPr/>
-          <p:nvPr/>
-        </p:nvCxnSpPr>
-        <p:spPr>
-          <a:xfrm rot="5400000" flipH="1" flipV="1">
-            <a:off x="2923429" y="3089823"/>
-            <a:ext cx="325337" cy="228597"/>
-          </a:xfrm>
-          <a:prstGeom prst="curvedConnector3">
-            <a:avLst/>
-          </a:prstGeom>
-          <a:ln>
-            <a:solidFill>
-              <a:schemeClr val="tx1"/>
-            </a:solidFill>
-            <a:tailEnd type="arrow"/>
-          </a:ln>
-        </p:spPr>
-        <p:style>
-          <a:lnRef idx="1">
-            <a:schemeClr val="accent1"/>
-          </a:lnRef>
-          <a:fillRef idx="0">
-            <a:schemeClr val="accent1"/>
-          </a:fillRef>
-          <a:effectRef idx="0">
-            <a:schemeClr val="accent1"/>
-          </a:effectRef>
-          <a:fontRef idx="minor">
-            <a:schemeClr val="tx1"/>
-          </a:fontRef>
-        </p:style>
-      </p:cxnSp>
-      <p:cxnSp>
-        <p:nvCxnSpPr>
-          <p:cNvPr id="10" name="Curved Connector 9"/>
-          <p:cNvCxnSpPr/>
-          <p:nvPr/>
-        </p:nvCxnSpPr>
-        <p:spPr>
-          <a:xfrm rot="16200000" flipV="1">
-            <a:off x="3902332" y="3101521"/>
-            <a:ext cx="434578" cy="314441"/>
-          </a:xfrm>
-          <a:prstGeom prst="curvedConnector3">
-            <a:avLst/>
-          </a:prstGeom>
-          <a:ln>
-            <a:solidFill>
-              <a:schemeClr val="tx1"/>
-            </a:solidFill>
-            <a:tailEnd type="arrow"/>
-          </a:ln>
-        </p:spPr>
-        <p:style>
-          <a:lnRef idx="1">
-            <a:schemeClr val="accent1"/>
-          </a:lnRef>
-          <a:fillRef idx="0">
-            <a:schemeClr val="accent1"/>
-          </a:fillRef>
-          <a:effectRef idx="0">
-            <a:schemeClr val="accent1"/>
-          </a:effectRef>
-          <a:fontRef idx="minor">
-            <a:schemeClr val="tx1"/>
-          </a:fontRef>
-        </p:style>
-      </p:cxnSp>
+              <a:rPr lang="en-US" sz="2000" b="1" dirty="0" smtClean="0">
+                <a:solidFill>
+                  <a:schemeClr val="accent6">
+                    <a:lumMod val="50000"/>
+                  </a:schemeClr>
+                </a:solidFill>
+              </a:rPr>
+              <a:t>       (actions) for one step ahead.</a:t>
+            </a:r>
+          </a:p>
+          <a:p>
+            <a:pPr marL="914400" lvl="1" indent="-457200">
+              <a:buAutoNum type="arabicPeriod" startAt="3"/>
+            </a:pPr>
+            <a:r>
+              <a:rPr lang="en-US" sz="2000" b="1" dirty="0" smtClean="0">
+                <a:solidFill>
+                  <a:schemeClr val="accent6">
+                    <a:lumMod val="50000"/>
+                  </a:schemeClr>
+                </a:solidFill>
+              </a:rPr>
+              <a:t>Select the action from the search space that </a:t>
+            </a:r>
+            <a:r>
+              <a:rPr lang="en-US" sz="2000" b="1" dirty="0" smtClean="0">
+                <a:solidFill>
+                  <a:schemeClr val="accent6">
+                    <a:lumMod val="50000"/>
+                  </a:schemeClr>
+                </a:solidFill>
+              </a:rPr>
+              <a:t>minimizes </a:t>
+            </a:r>
+            <a:r>
+              <a:rPr lang="en-US" sz="2000" b="1" dirty="0" smtClean="0">
+                <a:solidFill>
+                  <a:schemeClr val="accent6">
+                    <a:lumMod val="50000"/>
+                  </a:schemeClr>
+                </a:solidFill>
+              </a:rPr>
+              <a:t>g(x) + h(x).</a:t>
+            </a:r>
+          </a:p>
+        </p:txBody>
+      </p:sp>
     </p:spTree>
     <p:extLst>
       <p:ext uri="{BB962C8B-B14F-4D97-AF65-F5344CB8AC3E}">
-        <p14:creationId xmlns:p14="http://schemas.microsoft.com/office/powerpoint/2010/main" val="2711051085"/>
+        <p14:creationId xmlns:p14="http://schemas.microsoft.com/office/powerpoint/2010/main" val="4182417304"/>
       </p:ext>
     </p:extLst>
   </p:cSld>
@@ -4236,17 +4310,7 @@
                   </a:schemeClr>
                 </a:solidFill>
               </a:rPr>
-              <a:t>A* </a:t>
-            </a:r>
-            <a:r>
-              <a:rPr lang="en-US" dirty="0" smtClean="0">
-                <a:solidFill>
-                  <a:schemeClr val="accent1">
-                    <a:lumMod val="75000"/>
-                  </a:schemeClr>
-                </a:solidFill>
-              </a:rPr>
-              <a:t>– SLD Example</a:t>
+              <a:t>A* - Optimality</a:t>
             </a:r>
             <a:endParaRPr lang="en-US" dirty="0">
               <a:solidFill>
@@ -4298,7 +4362,7 @@
         <p:spPr>
           <a:xfrm>
             <a:off x="152400" y="1164134"/>
-            <a:ext cx="8949501" cy="1569660"/>
+            <a:ext cx="8427820" cy="3785652"/>
           </a:xfrm>
           <a:prstGeom prst="rect">
             <a:avLst/>
@@ -4311,7 +4375,7 @@
           </a:bodyPr>
           <a:lstStyle/>
           <a:p>
-            <a:pPr marL="342900" indent="-342900">
+            <a:pPr marL="285750" indent="-285750">
               <a:buFont typeface="Arial" panose="020B0604020202020204" pitchFamily="34" charset="0"/>
               <a:buChar char="•"/>
             </a:pPr>
@@ -4323,30 +4387,159 @@
                   </a:schemeClr>
                 </a:solidFill>
               </a:rPr>
-              <a:t>In the previous SLD example, Greedy picked a suboptimal solution</a:t>
-            </a:r>
-          </a:p>
-          <a:p>
-            <a:r>
-              <a:rPr lang="en-US" sz="2400" b="1" dirty="0">
+              <a:t>The </a:t>
+            </a:r>
+            <a:r>
+              <a:rPr lang="en-US" sz="2400" b="1" dirty="0" smtClean="0">
+                <a:solidFill>
+                  <a:schemeClr val="accent6">
+                    <a:lumMod val="75000"/>
+                  </a:schemeClr>
+                </a:solidFill>
+              </a:rPr>
+              <a:t>A* </a:t>
+            </a:r>
+            <a:r>
+              <a:rPr lang="en-US" sz="2400" b="1" dirty="0" smtClean="0">
                 <a:solidFill>
                   <a:schemeClr val="accent5">
                     <a:lumMod val="75000"/>
                   </a:schemeClr>
                 </a:solidFill>
               </a:rPr>
-              <a:t> </a:t>
-            </a:r>
-            <a:r>
-              <a:rPr lang="en-US" sz="2400" b="1" dirty="0" smtClean="0">
+              <a:t>method will always find the </a:t>
+            </a:r>
+            <a:r>
+              <a:rPr lang="en-US" sz="2400" b="1" u="sng" dirty="0" smtClean="0">
                 <a:solidFill>
                   <a:schemeClr val="accent5">
                     <a:lumMod val="75000"/>
                   </a:schemeClr>
                 </a:solidFill>
               </a:rPr>
-              <a:t>    (node B), while A* will pick an optimal solution (node C).</a:t>
-            </a:r>
+              <a:t>optimal</a:t>
+            </a:r>
+            <a:r>
+              <a:rPr lang="en-US" sz="2400" b="1" dirty="0" smtClean="0">
+                <a:solidFill>
+                  <a:schemeClr val="accent5">
+                    <a:lumMod val="75000"/>
+                  </a:schemeClr>
+                </a:solidFill>
+              </a:rPr>
+              <a:t> solution if</a:t>
+            </a:r>
+          </a:p>
+          <a:p>
+            <a:r>
+              <a:rPr lang="en-US" sz="2400" b="1" dirty="0">
+                <a:solidFill>
+                  <a:schemeClr val="accent5">
+                    <a:lumMod val="75000"/>
+                  </a:schemeClr>
+                </a:solidFill>
+              </a:rPr>
+              <a:t> </a:t>
+            </a:r>
+            <a:r>
+              <a:rPr lang="en-US" sz="2400" b="1" dirty="0" smtClean="0">
+                <a:solidFill>
+                  <a:schemeClr val="accent5">
+                    <a:lumMod val="75000"/>
+                  </a:schemeClr>
+                </a:solidFill>
+              </a:rPr>
+              <a:t>    the heuristic function </a:t>
+            </a:r>
+            <a:r>
+              <a:rPr lang="en-US" sz="2400" b="1" dirty="0" smtClean="0">
+                <a:solidFill>
+                  <a:schemeClr val="accent6">
+                    <a:lumMod val="75000"/>
+                  </a:schemeClr>
+                </a:solidFill>
+              </a:rPr>
+              <a:t>h(x)</a:t>
+            </a:r>
+            <a:r>
+              <a:rPr lang="en-US" sz="2400" b="1" dirty="0" smtClean="0">
+                <a:solidFill>
+                  <a:schemeClr val="accent5">
+                    <a:lumMod val="75000"/>
+                  </a:schemeClr>
+                </a:solidFill>
+              </a:rPr>
+              <a:t>, for all x, is always less than</a:t>
+            </a:r>
+          </a:p>
+          <a:p>
+            <a:r>
+              <a:rPr lang="en-US" sz="2400" b="1" dirty="0">
+                <a:solidFill>
+                  <a:schemeClr val="accent5">
+                    <a:lumMod val="75000"/>
+                  </a:schemeClr>
+                </a:solidFill>
+              </a:rPr>
+              <a:t> </a:t>
+            </a:r>
+            <a:r>
+              <a:rPr lang="en-US" sz="2400" b="1" dirty="0" smtClean="0">
+                <a:solidFill>
+                  <a:schemeClr val="accent5">
+                    <a:lumMod val="75000"/>
+                  </a:schemeClr>
+                </a:solidFill>
+              </a:rPr>
+              <a:t>    or equal the actual distance (cost) to the goal node, </a:t>
+            </a:r>
+            <a:r>
+              <a:rPr lang="en-US" sz="2400" b="1" dirty="0" smtClean="0">
+                <a:solidFill>
+                  <a:schemeClr val="accent6">
+                    <a:lumMod val="75000"/>
+                  </a:schemeClr>
+                </a:solidFill>
+              </a:rPr>
+              <a:t>h*(x)</a:t>
+            </a:r>
+            <a:r>
+              <a:rPr lang="en-US" sz="2400" b="1" dirty="0" smtClean="0"/>
+              <a:t>.</a:t>
+            </a:r>
+          </a:p>
+          <a:p>
+            <a:endParaRPr lang="en-US" sz="2400" b="1" dirty="0">
+              <a:solidFill>
+                <a:schemeClr val="accent5">
+                  <a:lumMod val="75000"/>
+                </a:schemeClr>
+              </a:solidFill>
+            </a:endParaRPr>
+          </a:p>
+          <a:p>
+            <a:r>
+              <a:rPr lang="en-US" sz="2400" b="1" dirty="0" smtClean="0">
+                <a:solidFill>
+                  <a:schemeClr val="accent5">
+                    <a:lumMod val="75000"/>
+                  </a:schemeClr>
+                </a:solidFill>
+              </a:rPr>
+              <a:t>			</a:t>
+            </a:r>
+            <a:r>
+              <a:rPr lang="en-US" sz="2400" b="1" dirty="0" smtClean="0">
+                <a:solidFill>
+                  <a:schemeClr val="accent6">
+                    <a:lumMod val="75000"/>
+                  </a:schemeClr>
+                </a:solidFill>
+              </a:rPr>
+              <a:t>h(x) ≤ h*(x), for all x</a:t>
+            </a:r>
+          </a:p>
+          <a:p>
             <a:endParaRPr lang="en-US" sz="2400" b="1" dirty="0" smtClean="0">
               <a:solidFill>
                 <a:schemeClr val="accent6">
@@ -4356,6 +4549,455 @@
             </a:endParaRPr>
           </a:p>
           <a:p>
+            <a:endParaRPr lang="en-US" sz="2400" b="1" dirty="0">
+              <a:solidFill>
+                <a:schemeClr val="accent6">
+                  <a:lumMod val="75000"/>
+                </a:schemeClr>
+              </a:solidFill>
+            </a:endParaRPr>
+          </a:p>
+          <a:p>
+            <a:pPr marL="342900" indent="-342900">
+              <a:buFont typeface="Arial" panose="020B0604020202020204" pitchFamily="34" charset="0"/>
+              <a:buChar char="•"/>
+            </a:pPr>
+            <a:r>
+              <a:rPr lang="en-US" sz="2400" b="1" dirty="0" smtClean="0">
+                <a:solidFill>
+                  <a:schemeClr val="accent5">
+                    <a:lumMod val="75000"/>
+                  </a:schemeClr>
+                </a:solidFill>
+              </a:rPr>
+              <a:t>When the </a:t>
+            </a:r>
+            <a:r>
+              <a:rPr lang="en-US" sz="2400" b="1" dirty="0">
+                <a:solidFill>
+                  <a:schemeClr val="accent5">
+                    <a:lumMod val="75000"/>
+                  </a:schemeClr>
+                </a:solidFill>
+              </a:rPr>
+              <a:t>heuristic </a:t>
+            </a:r>
+            <a:r>
+              <a:rPr lang="en-US" sz="2400" b="1" dirty="0">
+                <a:solidFill>
+                  <a:schemeClr val="accent6">
+                    <a:lumMod val="75000"/>
+                  </a:schemeClr>
+                </a:solidFill>
+              </a:rPr>
+              <a:t>h(x) ≤ h*(x)</a:t>
+            </a:r>
+            <a:r>
+              <a:rPr lang="en-US" sz="2400" b="1" dirty="0">
+                <a:solidFill>
+                  <a:schemeClr val="accent5">
+                    <a:lumMod val="75000"/>
+                  </a:schemeClr>
+                </a:solidFill>
+              </a:rPr>
+              <a:t>, </a:t>
+            </a:r>
+            <a:r>
+              <a:rPr lang="en-US" sz="2400" b="1" dirty="0" smtClean="0">
+                <a:solidFill>
+                  <a:schemeClr val="accent5">
+                    <a:lumMod val="75000"/>
+                  </a:schemeClr>
+                </a:solidFill>
+              </a:rPr>
+              <a:t>and the evaluation function is</a:t>
+            </a:r>
+          </a:p>
+          <a:p>
+            <a:r>
+              <a:rPr lang="en-US" sz="2400" b="1" dirty="0">
+                <a:solidFill>
+                  <a:schemeClr val="accent5">
+                    <a:lumMod val="75000"/>
+                  </a:schemeClr>
+                </a:solidFill>
+              </a:rPr>
+              <a:t> </a:t>
+            </a:r>
+            <a:r>
+              <a:rPr lang="en-US" sz="2400" b="1" dirty="0" smtClean="0">
+                <a:solidFill>
+                  <a:schemeClr val="accent5">
+                    <a:lumMod val="75000"/>
+                  </a:schemeClr>
+                </a:solidFill>
+              </a:rPr>
+              <a:t>    </a:t>
+            </a:r>
+            <a:r>
+              <a:rPr lang="en-US" sz="2400" b="1" dirty="0" smtClean="0">
+                <a:solidFill>
+                  <a:schemeClr val="accent6">
+                    <a:lumMod val="75000"/>
+                  </a:schemeClr>
+                </a:solidFill>
+              </a:rPr>
+              <a:t>f(x) = g(x) + h(x)</a:t>
+            </a:r>
+            <a:r>
+              <a:rPr lang="en-US" sz="2400" b="1" dirty="0" smtClean="0">
+                <a:solidFill>
+                  <a:srgbClr val="0070C0"/>
+                </a:solidFill>
+              </a:rPr>
+              <a:t>,</a:t>
+            </a:r>
+            <a:r>
+              <a:rPr lang="en-US" sz="2400" b="1" dirty="0" smtClean="0">
+                <a:solidFill>
+                  <a:schemeClr val="accent6">
+                    <a:lumMod val="75000"/>
+                  </a:schemeClr>
+                </a:solidFill>
+              </a:rPr>
+              <a:t> </a:t>
+            </a:r>
+            <a:r>
+              <a:rPr lang="en-US" sz="2400" b="1" dirty="0" smtClean="0">
+                <a:solidFill>
+                  <a:schemeClr val="accent5">
+                    <a:lumMod val="75000"/>
+                  </a:schemeClr>
+                </a:solidFill>
+              </a:rPr>
+              <a:t>the method is said to be optimal, since it will</a:t>
+            </a:r>
+          </a:p>
+          <a:p>
+            <a:r>
+              <a:rPr lang="en-US" sz="2400" b="1" dirty="0">
+                <a:solidFill>
+                  <a:schemeClr val="accent5">
+                    <a:lumMod val="75000"/>
+                  </a:schemeClr>
+                </a:solidFill>
+              </a:rPr>
+              <a:t> </a:t>
+            </a:r>
+            <a:r>
+              <a:rPr lang="en-US" sz="2400" b="1" dirty="0" smtClean="0">
+                <a:solidFill>
+                  <a:schemeClr val="accent5">
+                    <a:lumMod val="75000"/>
+                  </a:schemeClr>
+                </a:solidFill>
+              </a:rPr>
+              <a:t>    always find the optimal solution.</a:t>
+            </a:r>
+          </a:p>
+        </p:txBody>
+      </p:sp>
+      <p:sp>
+        <p:nvSpPr>
+          <p:cNvPr id="3" name="TextBox 2"/>
+          <p:cNvSpPr txBox="1"/>
+          <p:nvPr/>
+        </p:nvSpPr>
+        <p:spPr>
+          <a:xfrm>
+            <a:off x="2400869" y="3231952"/>
+            <a:ext cx="820289" cy="307777"/>
+          </a:xfrm>
+          <a:prstGeom prst="rect">
+            <a:avLst/>
+          </a:prstGeom>
+          <a:noFill/>
+        </p:spPr>
+        <p:txBody>
+          <a:bodyPr wrap="none" rtlCol="0">
+            <a:spAutoFit/>
+          </a:bodyPr>
+          <a:lstStyle/>
+          <a:p>
+            <a:r>
+              <a:rPr lang="en-US" sz="1400" dirty="0" smtClean="0"/>
+              <a:t>Estimate</a:t>
+            </a:r>
+            <a:endParaRPr lang="en-US" sz="1400" dirty="0"/>
+          </a:p>
+        </p:txBody>
+      </p:sp>
+      <p:sp>
+        <p:nvSpPr>
+          <p:cNvPr id="6" name="TextBox 5"/>
+          <p:cNvSpPr txBox="1"/>
+          <p:nvPr/>
+        </p:nvSpPr>
+        <p:spPr>
+          <a:xfrm>
+            <a:off x="3962400" y="3366790"/>
+            <a:ext cx="647934" cy="307777"/>
+          </a:xfrm>
+          <a:prstGeom prst="rect">
+            <a:avLst/>
+          </a:prstGeom>
+          <a:noFill/>
+        </p:spPr>
+        <p:txBody>
+          <a:bodyPr wrap="none" rtlCol="0">
+            <a:spAutoFit/>
+          </a:bodyPr>
+          <a:lstStyle/>
+          <a:p>
+            <a:r>
+              <a:rPr lang="en-US" sz="1400" dirty="0" smtClean="0"/>
+              <a:t>Actual</a:t>
+            </a:r>
+            <a:endParaRPr lang="en-US" sz="1400" dirty="0"/>
+          </a:p>
+        </p:txBody>
+      </p:sp>
+      <p:cxnSp>
+        <p:nvCxnSpPr>
+          <p:cNvPr id="7" name="Curved Connector 6"/>
+          <p:cNvCxnSpPr/>
+          <p:nvPr/>
+        </p:nvCxnSpPr>
+        <p:spPr>
+          <a:xfrm rot="5400000" flipH="1" flipV="1">
+            <a:off x="2923429" y="3089823"/>
+            <a:ext cx="325337" cy="228597"/>
+          </a:xfrm>
+          <a:prstGeom prst="curvedConnector3">
+            <a:avLst/>
+          </a:prstGeom>
+          <a:ln>
+            <a:solidFill>
+              <a:schemeClr val="tx1"/>
+            </a:solidFill>
+            <a:tailEnd type="arrow"/>
+          </a:ln>
+        </p:spPr>
+        <p:style>
+          <a:lnRef idx="1">
+            <a:schemeClr val="accent1"/>
+          </a:lnRef>
+          <a:fillRef idx="0">
+            <a:schemeClr val="accent1"/>
+          </a:fillRef>
+          <a:effectRef idx="0">
+            <a:schemeClr val="accent1"/>
+          </a:effectRef>
+          <a:fontRef idx="minor">
+            <a:schemeClr val="tx1"/>
+          </a:fontRef>
+        </p:style>
+      </p:cxnSp>
+      <p:cxnSp>
+        <p:nvCxnSpPr>
+          <p:cNvPr id="10" name="Curved Connector 9"/>
+          <p:cNvCxnSpPr/>
+          <p:nvPr/>
+        </p:nvCxnSpPr>
+        <p:spPr>
+          <a:xfrm rot="16200000" flipV="1">
+            <a:off x="3902332" y="3101521"/>
+            <a:ext cx="434578" cy="314441"/>
+          </a:xfrm>
+          <a:prstGeom prst="curvedConnector3">
+            <a:avLst/>
+          </a:prstGeom>
+          <a:ln>
+            <a:solidFill>
+              <a:schemeClr val="tx1"/>
+            </a:solidFill>
+            <a:tailEnd type="arrow"/>
+          </a:ln>
+        </p:spPr>
+        <p:style>
+          <a:lnRef idx="1">
+            <a:schemeClr val="accent1"/>
+          </a:lnRef>
+          <a:fillRef idx="0">
+            <a:schemeClr val="accent1"/>
+          </a:fillRef>
+          <a:effectRef idx="0">
+            <a:schemeClr val="accent1"/>
+          </a:effectRef>
+          <a:fontRef idx="minor">
+            <a:schemeClr val="tx1"/>
+          </a:fontRef>
+        </p:style>
+      </p:cxnSp>
+    </p:spTree>
+    <p:extLst>
+      <p:ext uri="{BB962C8B-B14F-4D97-AF65-F5344CB8AC3E}">
+        <p14:creationId xmlns:p14="http://schemas.microsoft.com/office/powerpoint/2010/main" val="2711051085"/>
+      </p:ext>
+    </p:extLst>
+  </p:cSld>
+  <p:clrMapOvr>
+    <a:masterClrMapping/>
+  </p:clrMapOvr>
+  <p:timing>
+    <p:tnLst>
+      <p:par>
+        <p:cTn id="1" dur="indefinite" restart="never" nodeType="tmRoot"/>
+      </p:par>
+    </p:tnLst>
+  </p:timing>
+</p:sld>
+</file>
+
+<file path=ppt/slides/slide12.xml><?xml version="1.0" encoding="utf-8"?>
+<p:sld xmlns:a="http://schemas.openxmlformats.org/drawingml/2006/main" xmlns:r="http://schemas.openxmlformats.org/officeDocument/2006/relationships" xmlns:p="http://schemas.openxmlformats.org/presentationml/2006/main">
+  <p:cSld>
+    <p:spTree>
+      <p:nvGrpSpPr>
+        <p:cNvPr id="1" name=""/>
+        <p:cNvGrpSpPr/>
+        <p:nvPr/>
+      </p:nvGrpSpPr>
+      <p:grpSpPr>
+        <a:xfrm>
+          <a:off x="0" y="0"/>
+          <a:ext cx="0" cy="0"/>
+          <a:chOff x="0" y="0"/>
+          <a:chExt cx="0" cy="0"/>
+        </a:xfrm>
+      </p:grpSpPr>
+      <p:sp>
+        <p:nvSpPr>
+          <p:cNvPr id="2" name="Title 1"/>
+          <p:cNvSpPr>
+            <a:spLocks noGrp="1"/>
+          </p:cNvSpPr>
+          <p:nvPr>
+            <p:ph type="title"/>
+          </p:nvPr>
+        </p:nvSpPr>
+        <p:spPr>
+          <a:xfrm>
+            <a:off x="457200" y="274638"/>
+            <a:ext cx="8305800" cy="792162"/>
+          </a:xfrm>
+        </p:spPr>
+        <p:txBody>
+          <a:bodyPr>
+            <a:normAutofit/>
+          </a:bodyPr>
+          <a:lstStyle/>
+          <a:p>
+            <a:pPr algn="l"/>
+            <a:r>
+              <a:rPr lang="en-US" dirty="0" smtClean="0">
+                <a:solidFill>
+                  <a:schemeClr val="accent1">
+                    <a:lumMod val="75000"/>
+                  </a:schemeClr>
+                </a:solidFill>
+              </a:rPr>
+              <a:t>A* – SLD Example</a:t>
+            </a:r>
+            <a:endParaRPr lang="en-US" dirty="0">
+              <a:solidFill>
+                <a:schemeClr val="accent1">
+                  <a:lumMod val="75000"/>
+                </a:schemeClr>
+              </a:solidFill>
+            </a:endParaRPr>
+          </a:p>
+        </p:txBody>
+      </p:sp>
+      <p:cxnSp>
+        <p:nvCxnSpPr>
+          <p:cNvPr id="5" name="Straight Connector 4"/>
+          <p:cNvCxnSpPr/>
+          <p:nvPr/>
+        </p:nvCxnSpPr>
+        <p:spPr>
+          <a:xfrm>
+            <a:off x="0" y="990600"/>
+            <a:ext cx="9144000" cy="0"/>
+          </a:xfrm>
+          <a:prstGeom prst="line">
+            <a:avLst/>
+          </a:prstGeom>
+          <a:ln w="19050"/>
+        </p:spPr>
+        <p:style>
+          <a:lnRef idx="1">
+            <a:schemeClr val="accent1"/>
+          </a:lnRef>
+          <a:fillRef idx="0">
+            <a:schemeClr val="accent1"/>
+          </a:fillRef>
+          <a:effectRef idx="0">
+            <a:schemeClr val="accent1"/>
+          </a:effectRef>
+          <a:fontRef idx="minor">
+            <a:schemeClr val="tx1"/>
+          </a:fontRef>
+        </p:style>
+      </p:cxnSp>
+      <p:sp>
+        <p:nvSpPr>
+          <p:cNvPr id="36" name="TextBox 35"/>
+          <p:cNvSpPr txBox="1"/>
+          <p:nvPr/>
+        </p:nvSpPr>
+        <p:spPr>
+          <a:xfrm>
+            <a:off x="152400" y="1164134"/>
+            <a:ext cx="8949501" cy="1569660"/>
+          </a:xfrm>
+          <a:prstGeom prst="rect">
+            <a:avLst/>
+          </a:prstGeom>
+          <a:noFill/>
+        </p:spPr>
+        <p:txBody>
+          <a:bodyPr wrap="none" rtlCol="0">
+            <a:spAutoFit/>
+          </a:bodyPr>
+          <a:lstStyle/>
+          <a:p>
+            <a:pPr marL="342900" indent="-342900">
+              <a:buFont typeface="Arial" panose="020B0604020202020204" pitchFamily="34" charset="0"/>
+              <a:buChar char="•"/>
+            </a:pPr>
+            <a:r>
+              <a:rPr lang="en-US" sz="2400" b="1" dirty="0" smtClean="0">
+                <a:solidFill>
+                  <a:schemeClr val="accent5">
+                    <a:lumMod val="75000"/>
+                  </a:schemeClr>
+                </a:solidFill>
+              </a:rPr>
+              <a:t>In the previous SLD example, Greedy picked a suboptimal solution</a:t>
+            </a:r>
+          </a:p>
+          <a:p>
+            <a:r>
+              <a:rPr lang="en-US" sz="2400" b="1" dirty="0">
+                <a:solidFill>
+                  <a:schemeClr val="accent5">
+                    <a:lumMod val="75000"/>
+                  </a:schemeClr>
+                </a:solidFill>
+              </a:rPr>
+              <a:t> </a:t>
+            </a:r>
+            <a:r>
+              <a:rPr lang="en-US" sz="2400" b="1" dirty="0" smtClean="0">
+                <a:solidFill>
+                  <a:schemeClr val="accent5">
+                    <a:lumMod val="75000"/>
+                  </a:schemeClr>
+                </a:solidFill>
+              </a:rPr>
+              <a:t>    (node B), while A* will pick an optimal solution (node C).</a:t>
+            </a:r>
             <a:endParaRPr lang="en-US" sz="2400" b="1" dirty="0" smtClean="0">
               <a:solidFill>
                 <a:schemeClr val="accent6">
@@ -4365,6 +5007,15 @@
             </a:endParaRPr>
           </a:p>
           <a:p>
+            <a:endParaRPr lang="en-US" sz="2400" b="1" dirty="0" smtClean="0">
+              <a:solidFill>
+                <a:schemeClr val="accent6">
+                  <a:lumMod val="75000"/>
+                </a:schemeClr>
+              </a:solidFill>
+            </a:endParaRPr>
+          </a:p>
+          <a:p>
             <a:r>
               <a:rPr lang="en-US" sz="2400" b="1" dirty="0">
                 <a:solidFill>
@@ -4383,27 +5034,7 @@
                   </a:schemeClr>
                 </a:solidFill>
               </a:rPr>
-              <a:t>		</a:t>
-            </a:r>
-            <a:r>
-              <a:rPr lang="en-US" sz="2400" b="1" dirty="0" smtClean="0">
-                <a:solidFill>
-                  <a:schemeClr val="accent6">
-                    <a:lumMod val="75000"/>
-                  </a:schemeClr>
-                </a:solidFill>
-              </a:rPr>
-              <a:t>f(x</a:t>
-            </a:r>
-            <a:r>
-              <a:rPr lang="en-US" sz="2400" b="1" dirty="0" smtClean="0">
-                <a:solidFill>
-                  <a:schemeClr val="accent6">
-                    <a:lumMod val="75000"/>
-                  </a:schemeClr>
-                </a:solidFill>
-              </a:rPr>
-              <a:t>) = g(x) + </a:t>
+              <a:t>		f(x) = g(x) + </a:t>
             </a:r>
             <a:r>
               <a:rPr lang="en-US" sz="2400" b="1" dirty="0" err="1" smtClean="0">
@@ -5615,37 +6246,7 @@
                   </a:schemeClr>
                 </a:solidFill>
               </a:rPr>
-              <a:t>A* will select node </a:t>
-            </a:r>
-            <a:r>
-              <a:rPr lang="en-US" b="1" dirty="0" smtClean="0">
-                <a:solidFill>
-                  <a:schemeClr val="accent5">
-                    <a:lumMod val="75000"/>
-                  </a:schemeClr>
-                </a:solidFill>
-              </a:rPr>
-              <a:t>B, </a:t>
-            </a:r>
-            <a:r>
-              <a:rPr lang="en-US" b="1" dirty="0" smtClean="0">
-                <a:solidFill>
-                  <a:schemeClr val="accent5">
-                    <a:lumMod val="75000"/>
-                  </a:schemeClr>
-                </a:solidFill>
-              </a:rPr>
-              <a:t>since </a:t>
-            </a:r>
-            <a:r>
-              <a:rPr lang="en-US" b="1" dirty="0" smtClean="0">
-                <a:solidFill>
-                  <a:schemeClr val="accent5">
-                    <a:lumMod val="75000"/>
-                  </a:schemeClr>
-                </a:solidFill>
-              </a:rPr>
-              <a:t>g(B) + h(B) &lt; g(C) + h(C)</a:t>
+              <a:t>A* will select node B, since g(B) + h(B) &lt; g(C) + h(C)</a:t>
             </a:r>
             <a:endParaRPr lang="en-US" dirty="0"/>
           </a:p>
@@ -5681,7 +6282,37 @@
                   </a:schemeClr>
                 </a:solidFill>
               </a:rPr>
-              <a:t>f(B) = g(B) + h(B) = 10 + 13 = 23 </a:t>
+              <a:t>f(B) = g(B) + h(B) = 10 + </a:t>
+            </a:r>
+            <a:r>
+              <a:rPr lang="en-US" sz="1200" b="1" dirty="0" smtClean="0">
+                <a:solidFill>
+                  <a:schemeClr val="accent6">
+                    <a:lumMod val="75000"/>
+                  </a:schemeClr>
+                </a:solidFill>
+              </a:rPr>
+              <a:t>10 </a:t>
+            </a:r>
+            <a:r>
+              <a:rPr lang="en-US" sz="1200" b="1" dirty="0" smtClean="0">
+                <a:solidFill>
+                  <a:schemeClr val="accent6">
+                    <a:lumMod val="75000"/>
+                  </a:schemeClr>
+                </a:solidFill>
+              </a:rPr>
+              <a:t>= </a:t>
+            </a:r>
+            <a:r>
+              <a:rPr lang="en-US" sz="1200" b="1" dirty="0" smtClean="0">
+                <a:solidFill>
+                  <a:schemeClr val="accent6">
+                    <a:lumMod val="75000"/>
+                  </a:schemeClr>
+                </a:solidFill>
+              </a:rPr>
+              <a:t>20 </a:t>
             </a:r>
             <a:endParaRPr lang="en-US" sz="1200" b="1" dirty="0">
               <a:solidFill>
@@ -5723,7 +6354,7 @@
                   </a:schemeClr>
                 </a:solidFill>
               </a:rPr>
-              <a:t>f(B) = g(B) + h(B) = </a:t>
+              <a:t>f(B) = g(B) + h(B) = 16 + </a:t>
             </a:r>
             <a:r>
               <a:rPr lang="en-US" sz="1200" b="1" dirty="0" smtClean="0">
@@ -5733,7 +6364,7 @@
                   </a:schemeClr>
                 </a:solidFill>
               </a:rPr>
-              <a:t>16 </a:t>
+              <a:t>7 </a:t>
             </a:r>
             <a:r>
               <a:rPr lang="en-US" sz="1200" b="1" dirty="0" smtClean="0">
@@ -5743,7 +6374,7 @@
                   </a:schemeClr>
                 </a:solidFill>
               </a:rPr>
-              <a:t>+ </a:t>
+              <a:t>= </a:t>
             </a:r>
             <a:r>
               <a:rPr lang="en-US" sz="1200" b="1" dirty="0" smtClean="0">
@@ -5753,27 +6384,7 @@
                   </a:schemeClr>
                 </a:solidFill>
               </a:rPr>
-              <a:t>9 </a:t>
-            </a:r>
-            <a:r>
-              <a:rPr lang="en-US" sz="1200" b="1" dirty="0" smtClean="0">
-                <a:solidFill>
-                  <a:schemeClr val="accent6">
-                    <a:lumMod val="75000"/>
-                  </a:schemeClr>
-                </a:solidFill>
-              </a:rPr>
-              <a:t>= </a:t>
-            </a:r>
-            <a:r>
-              <a:rPr lang="en-US" sz="1200" b="1" dirty="0" smtClean="0">
-                <a:solidFill>
-                  <a:schemeClr val="accent6">
-                    <a:lumMod val="75000"/>
-                  </a:schemeClr>
-                </a:solidFill>
-              </a:rPr>
-              <a:t>24 </a:t>
+              <a:t>23 </a:t>
             </a:r>
             <a:endParaRPr lang="en-US" sz="1200" b="1" dirty="0">
               <a:solidFill>
@@ -5789,6 +6400,857 @@
     <p:extLst>
       <p:ext uri="{BB962C8B-B14F-4D97-AF65-F5344CB8AC3E}">
         <p14:creationId xmlns:p14="http://schemas.microsoft.com/office/powerpoint/2010/main" val="3211000760"/>
+      </p:ext>
+    </p:extLst>
+  </p:cSld>
+  <p:clrMapOvr>
+    <a:masterClrMapping/>
+  </p:clrMapOvr>
+  <p:timing>
+    <p:tnLst>
+      <p:par>
+        <p:cTn id="1" dur="indefinite" restart="never" nodeType="tmRoot"/>
+      </p:par>
+    </p:tnLst>
+  </p:timing>
+</p:sld>
+</file>
+
+<file path=ppt/slides/slide13.xml><?xml version="1.0" encoding="utf-8"?>
+<p:sld xmlns:a="http://schemas.openxmlformats.org/drawingml/2006/main" xmlns:r="http://schemas.openxmlformats.org/officeDocument/2006/relationships" xmlns:p="http://schemas.openxmlformats.org/presentationml/2006/main">
+  <p:cSld>
+    <p:spTree>
+      <p:nvGrpSpPr>
+        <p:cNvPr id="1" name=""/>
+        <p:cNvGrpSpPr/>
+        <p:nvPr/>
+      </p:nvGrpSpPr>
+      <p:grpSpPr>
+        <a:xfrm>
+          <a:off x="0" y="0"/>
+          <a:ext cx="0" cy="0"/>
+          <a:chOff x="0" y="0"/>
+          <a:chExt cx="0" cy="0"/>
+        </a:xfrm>
+      </p:grpSpPr>
+      <p:sp>
+        <p:nvSpPr>
+          <p:cNvPr id="2" name="Title 1"/>
+          <p:cNvSpPr>
+            <a:spLocks noGrp="1"/>
+          </p:cNvSpPr>
+          <p:nvPr>
+            <p:ph type="title"/>
+          </p:nvPr>
+        </p:nvSpPr>
+        <p:spPr>
+          <a:xfrm>
+            <a:off x="457200" y="274638"/>
+            <a:ext cx="8305800" cy="792162"/>
+          </a:xfrm>
+        </p:spPr>
+        <p:txBody>
+          <a:bodyPr>
+            <a:normAutofit/>
+          </a:bodyPr>
+          <a:lstStyle/>
+          <a:p>
+            <a:pPr algn="l"/>
+            <a:r>
+              <a:rPr lang="en-US" dirty="0" smtClean="0">
+                <a:solidFill>
+                  <a:schemeClr val="accent1">
+                    <a:lumMod val="75000"/>
+                  </a:schemeClr>
+                </a:solidFill>
+              </a:rPr>
+              <a:t>BFS A* – Algorithm</a:t>
+            </a:r>
+            <a:endParaRPr lang="en-US" dirty="0">
+              <a:solidFill>
+                <a:schemeClr val="accent1">
+                  <a:lumMod val="75000"/>
+                </a:schemeClr>
+              </a:solidFill>
+            </a:endParaRPr>
+          </a:p>
+        </p:txBody>
+      </p:sp>
+      <p:cxnSp>
+        <p:nvCxnSpPr>
+          <p:cNvPr id="5" name="Straight Connector 4"/>
+          <p:cNvCxnSpPr/>
+          <p:nvPr/>
+        </p:nvCxnSpPr>
+        <p:spPr>
+          <a:xfrm>
+            <a:off x="0" y="990600"/>
+            <a:ext cx="9144000" cy="0"/>
+          </a:xfrm>
+          <a:prstGeom prst="line">
+            <a:avLst/>
+          </a:prstGeom>
+          <a:ln w="19050"/>
+        </p:spPr>
+        <p:style>
+          <a:lnRef idx="1">
+            <a:schemeClr val="accent1"/>
+          </a:lnRef>
+          <a:fillRef idx="0">
+            <a:schemeClr val="accent1"/>
+          </a:fillRef>
+          <a:effectRef idx="0">
+            <a:schemeClr val="accent1"/>
+          </a:effectRef>
+          <a:fontRef idx="minor">
+            <a:schemeClr val="tx1"/>
+          </a:fontRef>
+        </p:style>
+      </p:cxnSp>
+      <p:sp>
+        <p:nvSpPr>
+          <p:cNvPr id="36" name="TextBox 35"/>
+          <p:cNvSpPr txBox="1"/>
+          <p:nvPr/>
+        </p:nvSpPr>
+        <p:spPr>
+          <a:xfrm>
+            <a:off x="152400" y="1164134"/>
+            <a:ext cx="8763000" cy="5016758"/>
+          </a:xfrm>
+          <a:prstGeom prst="rect">
+            <a:avLst/>
+          </a:prstGeom>
+          <a:noFill/>
+        </p:spPr>
+        <p:txBody>
+          <a:bodyPr wrap="square" rtlCol="0">
+            <a:spAutoFit/>
+          </a:bodyPr>
+          <a:lstStyle/>
+          <a:p>
+            <a:r>
+              <a:rPr lang="en-US" b="1" dirty="0"/>
+              <a:t>function </a:t>
+            </a:r>
+            <a:r>
+              <a:rPr lang="en-US" b="1" dirty="0" smtClean="0"/>
+              <a:t>Greedy( </a:t>
+            </a:r>
+            <a:r>
+              <a:rPr lang="en-US" b="1" dirty="0"/>
+              <a:t>root , goal)</a:t>
+            </a:r>
+            <a:r>
+              <a:rPr lang="en-US" dirty="0"/>
+              <a:t/>
+            </a:r>
+            <a:br>
+              <a:rPr lang="en-US" dirty="0"/>
+            </a:br>
+            <a:r>
+              <a:rPr lang="en-US" dirty="0">
+                <a:solidFill>
+                  <a:srgbClr val="00B050"/>
+                </a:solidFill>
+              </a:rPr>
+              <a:t/>
+            </a:r>
+            <a:br>
+              <a:rPr lang="en-US" dirty="0">
+                <a:solidFill>
+                  <a:srgbClr val="00B050"/>
+                </a:solidFill>
+              </a:rPr>
+            </a:br>
+            <a:r>
+              <a:rPr lang="en-US" dirty="0">
+                <a:solidFill>
+                  <a:srgbClr val="00B050"/>
+                </a:solidFill>
+              </a:rPr>
+              <a:t>	</a:t>
+            </a:r>
+            <a:r>
+              <a:rPr lang="en-US" b="1" dirty="0"/>
+              <a:t>initialize the </a:t>
+            </a:r>
+            <a:r>
+              <a:rPr lang="en-US" b="1" u="sng" dirty="0">
+                <a:solidFill>
+                  <a:schemeClr val="bg1">
+                    <a:lumMod val="50000"/>
+                  </a:schemeClr>
+                </a:solidFill>
+              </a:rPr>
+              <a:t>frontier</a:t>
+            </a:r>
+            <a:r>
+              <a:rPr lang="en-US" b="1" u="sng" dirty="0"/>
+              <a:t> </a:t>
+            </a:r>
+            <a:r>
+              <a:rPr lang="en-US" b="1" dirty="0"/>
+              <a:t>to the </a:t>
+            </a:r>
+            <a:r>
+              <a:rPr lang="en-US" b="1" u="sng" dirty="0"/>
+              <a:t>root node</a:t>
+            </a:r>
+            <a:r>
+              <a:rPr lang="en-US" b="1" dirty="0"/>
+              <a:t> </a:t>
+            </a:r>
+            <a:r>
+              <a:rPr lang="en-US" b="1" dirty="0" smtClean="0">
+                <a:solidFill>
+                  <a:schemeClr val="accent6">
+                    <a:lumMod val="50000"/>
+                  </a:schemeClr>
+                </a:solidFill>
+              </a:rPr>
+              <a:t>(Heap)</a:t>
+            </a:r>
+            <a:endParaRPr lang="en-US" b="1" dirty="0">
+              <a:solidFill>
+                <a:schemeClr val="accent6">
+                  <a:lumMod val="50000"/>
+                </a:schemeClr>
+              </a:solidFill>
+            </a:endParaRPr>
+          </a:p>
+          <a:p>
+            <a:r>
+              <a:rPr lang="en-US" dirty="0"/>
+              <a:t>	</a:t>
+            </a:r>
+          </a:p>
+          <a:p>
+            <a:r>
+              <a:rPr lang="en-US" dirty="0"/>
+              <a:t>	</a:t>
+            </a:r>
+            <a:r>
+              <a:rPr lang="en-US" b="1" dirty="0"/>
+              <a:t>initialize the </a:t>
+            </a:r>
+            <a:r>
+              <a:rPr lang="en-US" b="1" u="sng" dirty="0"/>
+              <a:t>visited</a:t>
+            </a:r>
+            <a:r>
+              <a:rPr lang="en-US" b="1" dirty="0"/>
+              <a:t> (explored) to the empty set </a:t>
+            </a:r>
+            <a:r>
+              <a:rPr lang="en-US" b="1" dirty="0" smtClean="0">
+                <a:solidFill>
+                  <a:schemeClr val="accent6">
+                    <a:lumMod val="50000"/>
+                  </a:schemeClr>
+                </a:solidFill>
+              </a:rPr>
+              <a:t>(Heap)</a:t>
+            </a:r>
+            <a:r>
+              <a:rPr lang="en-US" b="1" dirty="0">
+                <a:solidFill>
+                  <a:schemeClr val="accent6">
+                    <a:lumMod val="50000"/>
+                  </a:schemeClr>
+                </a:solidFill>
+              </a:rPr>
+              <a:t/>
+            </a:r>
+            <a:br>
+              <a:rPr lang="en-US" b="1" dirty="0">
+                <a:solidFill>
+                  <a:schemeClr val="accent6">
+                    <a:lumMod val="50000"/>
+                  </a:schemeClr>
+                </a:solidFill>
+              </a:rPr>
+            </a:br>
+            <a:r>
+              <a:rPr lang="en-US" dirty="0"/>
+              <a:t/>
+            </a:r>
+            <a:br>
+              <a:rPr lang="en-US" dirty="0"/>
+            </a:br>
+            <a:r>
+              <a:rPr lang="en-US" dirty="0"/>
+              <a:t>	</a:t>
+            </a:r>
+            <a:r>
+              <a:rPr lang="en-US" b="1" dirty="0"/>
+              <a:t>while the </a:t>
+            </a:r>
+            <a:r>
+              <a:rPr lang="en-US" b="1" u="sng" dirty="0">
+                <a:solidFill>
+                  <a:schemeClr val="bg1">
+                    <a:lumMod val="50000"/>
+                  </a:schemeClr>
+                </a:solidFill>
+              </a:rPr>
+              <a:t>frontier </a:t>
+            </a:r>
+            <a:r>
+              <a:rPr lang="en-US" b="1" dirty="0"/>
+              <a:t>is not empty</a:t>
+            </a:r>
+            <a:endParaRPr lang="en-US" dirty="0"/>
+          </a:p>
+          <a:p>
+            <a:r>
+              <a:rPr lang="en-US" dirty="0"/>
+              <a:t>		</a:t>
+            </a:r>
+            <a:r>
+              <a:rPr lang="en-US" b="1" dirty="0"/>
+              <a:t>remove </a:t>
+            </a:r>
+            <a:r>
+              <a:rPr lang="en-US" b="1" dirty="0" smtClean="0">
+                <a:solidFill>
+                  <a:schemeClr val="accent6">
+                    <a:lumMod val="50000"/>
+                  </a:schemeClr>
+                </a:solidFill>
+              </a:rPr>
+              <a:t>(delete min)</a:t>
+            </a:r>
+            <a:r>
+              <a:rPr lang="en-US" b="1" dirty="0" smtClean="0"/>
+              <a:t> </a:t>
+            </a:r>
+            <a:r>
+              <a:rPr lang="en-US" b="1" dirty="0"/>
+              <a:t>the next </a:t>
+            </a:r>
+            <a:r>
+              <a:rPr lang="en-US" b="1" i="1" u="sng" dirty="0"/>
+              <a:t>node</a:t>
+            </a:r>
+            <a:r>
+              <a:rPr lang="en-US" b="1" dirty="0"/>
+              <a:t> from the </a:t>
+            </a:r>
+            <a:r>
+              <a:rPr lang="en-US" b="1" u="sng" dirty="0">
+                <a:solidFill>
+                  <a:schemeClr val="bg1">
+                    <a:lumMod val="50000"/>
+                  </a:schemeClr>
+                </a:solidFill>
+              </a:rPr>
+              <a:t>frontier</a:t>
+            </a:r>
+          </a:p>
+          <a:p>
+            <a:r>
+              <a:rPr lang="en-US" b="1" dirty="0">
+                <a:solidFill>
+                  <a:schemeClr val="bg1">
+                    <a:lumMod val="50000"/>
+                  </a:schemeClr>
+                </a:solidFill>
+              </a:rPr>
+              <a:t>		</a:t>
+            </a:r>
+            <a:r>
+              <a:rPr lang="en-US" b="1" dirty="0"/>
+              <a:t>add </a:t>
+            </a:r>
+            <a:r>
+              <a:rPr lang="en-US" b="1" dirty="0" smtClean="0">
+                <a:solidFill>
+                  <a:schemeClr val="accent6">
+                    <a:lumMod val="50000"/>
+                  </a:schemeClr>
+                </a:solidFill>
+              </a:rPr>
+              <a:t>(insert)</a:t>
+            </a:r>
+            <a:r>
+              <a:rPr lang="en-US" b="1" dirty="0" smtClean="0"/>
+              <a:t> the </a:t>
+            </a:r>
+            <a:r>
+              <a:rPr lang="en-US" b="1" dirty="0"/>
+              <a:t>(node removed from </a:t>
+            </a:r>
+            <a:r>
+              <a:rPr lang="en-US" b="1" u="sng" dirty="0">
+                <a:solidFill>
+                  <a:schemeClr val="bg1">
+                    <a:lumMod val="50000"/>
+                  </a:schemeClr>
+                </a:solidFill>
+              </a:rPr>
+              <a:t>frontier</a:t>
+            </a:r>
+            <a:r>
+              <a:rPr lang="en-US" b="1" dirty="0"/>
+              <a:t>) </a:t>
+            </a:r>
+            <a:r>
+              <a:rPr lang="en-US" b="1" i="1" u="sng" dirty="0"/>
+              <a:t>node</a:t>
+            </a:r>
+            <a:r>
+              <a:rPr lang="en-US" b="1" dirty="0"/>
+              <a:t> to the </a:t>
+            </a:r>
+            <a:r>
+              <a:rPr lang="en-US" b="1" u="sng" dirty="0"/>
+              <a:t>visited</a:t>
+            </a:r>
+          </a:p>
+          <a:p>
+            <a:r>
+              <a:rPr lang="en-US" dirty="0"/>
+              <a:t/>
+            </a:r>
+            <a:br>
+              <a:rPr lang="en-US" dirty="0"/>
+            </a:br>
+            <a:r>
+              <a:rPr lang="en-US" dirty="0"/>
+              <a:t>		</a:t>
+            </a:r>
+            <a:r>
+              <a:rPr lang="en-US" b="1" dirty="0"/>
+              <a:t>if the </a:t>
+            </a:r>
+            <a:r>
+              <a:rPr lang="en-US" b="1" i="1" u="sng" dirty="0"/>
+              <a:t>node</a:t>
+            </a:r>
+            <a:r>
+              <a:rPr lang="en-US" b="1" dirty="0"/>
+              <a:t> matches to </a:t>
+            </a:r>
+            <a:r>
+              <a:rPr lang="en-US" b="1" u="sng" dirty="0">
+                <a:solidFill>
+                  <a:srgbClr val="00B050"/>
+                </a:solidFill>
+              </a:rPr>
+              <a:t>goal node</a:t>
+            </a:r>
+          </a:p>
+          <a:p>
+            <a:r>
+              <a:rPr lang="en-US" dirty="0"/>
+              <a:t>			</a:t>
+            </a:r>
+            <a:r>
+              <a:rPr lang="en-US" b="1" dirty="0"/>
+              <a:t>return </a:t>
+            </a:r>
+            <a:r>
+              <a:rPr lang="en-US" b="1" u="sng" dirty="0">
+                <a:solidFill>
+                  <a:srgbClr val="00B050"/>
+                </a:solidFill>
+              </a:rPr>
+              <a:t>found goal</a:t>
+            </a:r>
+          </a:p>
+          <a:p>
+            <a:endParaRPr lang="en-US" b="1" dirty="0"/>
+          </a:p>
+          <a:p>
+            <a:r>
+              <a:rPr lang="en-US" b="1" dirty="0"/>
+              <a:t>		for each </a:t>
+            </a:r>
+            <a:r>
+              <a:rPr lang="en-US" b="1" u="sng" dirty="0">
+                <a:solidFill>
+                  <a:schemeClr val="tx2">
+                    <a:lumMod val="50000"/>
+                  </a:schemeClr>
+                </a:solidFill>
+              </a:rPr>
+              <a:t>child</a:t>
+            </a:r>
+            <a:r>
+              <a:rPr lang="en-US" b="1" dirty="0"/>
+              <a:t> (neighbor) of the </a:t>
+            </a:r>
+            <a:r>
+              <a:rPr lang="en-US" b="1" i="1" u="sng" dirty="0"/>
+              <a:t>node</a:t>
+            </a:r>
+          </a:p>
+          <a:p>
+            <a:r>
+              <a:rPr lang="en-US" b="1" dirty="0"/>
+              <a:t>			if </a:t>
+            </a:r>
+            <a:r>
+              <a:rPr lang="en-US" b="1" u="sng" dirty="0">
+                <a:solidFill>
+                  <a:schemeClr val="tx2">
+                    <a:lumMod val="50000"/>
+                  </a:schemeClr>
+                </a:solidFill>
+              </a:rPr>
+              <a:t>child</a:t>
+            </a:r>
+            <a:r>
+              <a:rPr lang="en-US" b="1" dirty="0"/>
+              <a:t> not in </a:t>
+            </a:r>
+            <a:r>
+              <a:rPr lang="en-US" b="1" u="sng" dirty="0">
+                <a:solidFill>
+                  <a:schemeClr val="bg1">
+                    <a:lumMod val="50000"/>
+                  </a:schemeClr>
+                </a:solidFill>
+              </a:rPr>
+              <a:t>frontier </a:t>
+            </a:r>
+            <a:r>
+              <a:rPr lang="en-US" b="1"/>
+              <a:t>or </a:t>
+            </a:r>
+            <a:r>
+              <a:rPr lang="en-US" b="1" u="sng" smtClean="0"/>
+              <a:t>visited</a:t>
+            </a:r>
+            <a:endParaRPr lang="en-US" b="1" u="sng" dirty="0" smtClean="0"/>
+          </a:p>
+          <a:p>
+            <a:r>
+              <a:rPr lang="en-US" b="1" dirty="0" smtClean="0"/>
+              <a:t>				set key of </a:t>
+            </a:r>
+            <a:r>
+              <a:rPr lang="en-US" b="1" u="sng" dirty="0" smtClean="0">
+                <a:solidFill>
+                  <a:schemeClr val="tx2">
+                    <a:lumMod val="50000"/>
+                  </a:schemeClr>
+                </a:solidFill>
+              </a:rPr>
+              <a:t>child</a:t>
+            </a:r>
+            <a:r>
+              <a:rPr lang="en-US" b="1" dirty="0" smtClean="0"/>
+              <a:t> to </a:t>
+            </a:r>
+            <a:r>
+              <a:rPr lang="en-US" b="1" dirty="0" smtClean="0">
+                <a:solidFill>
+                  <a:schemeClr val="accent6">
+                    <a:lumMod val="75000"/>
+                  </a:schemeClr>
+                </a:solidFill>
+              </a:rPr>
+              <a:t>g(node) + h(child)</a:t>
+            </a:r>
+            <a:endParaRPr lang="en-US" b="1" dirty="0">
+              <a:solidFill>
+                <a:schemeClr val="accent6">
+                  <a:lumMod val="75000"/>
+                </a:schemeClr>
+              </a:solidFill>
+            </a:endParaRPr>
+          </a:p>
+          <a:p>
+            <a:r>
+              <a:rPr lang="en-US" b="1" dirty="0"/>
+              <a:t>				</a:t>
+            </a:r>
+            <a:r>
+              <a:rPr lang="en-US" b="1" dirty="0" smtClean="0"/>
+              <a:t>add</a:t>
+            </a:r>
+            <a:r>
+              <a:rPr lang="en-US" b="1" dirty="0" smtClean="0">
+                <a:solidFill>
+                  <a:schemeClr val="accent6">
+                    <a:lumMod val="50000"/>
+                  </a:schemeClr>
+                </a:solidFill>
+              </a:rPr>
+              <a:t> </a:t>
+            </a:r>
+            <a:r>
+              <a:rPr lang="en-US" b="1" dirty="0">
+                <a:solidFill>
+                  <a:schemeClr val="accent6">
+                    <a:lumMod val="50000"/>
+                  </a:schemeClr>
+                </a:solidFill>
+              </a:rPr>
+              <a:t>(insert)</a:t>
+            </a:r>
+            <a:r>
+              <a:rPr lang="en-US" b="1" dirty="0"/>
+              <a:t> </a:t>
+            </a:r>
+            <a:r>
+              <a:rPr lang="en-US" b="1" u="sng" dirty="0" smtClean="0">
+                <a:solidFill>
+                  <a:schemeClr val="tx2">
+                    <a:lumMod val="50000"/>
+                  </a:schemeClr>
+                </a:solidFill>
+              </a:rPr>
+              <a:t>child</a:t>
+            </a:r>
+            <a:r>
+              <a:rPr lang="en-US" b="1" dirty="0" smtClean="0"/>
+              <a:t> </a:t>
+            </a:r>
+            <a:r>
+              <a:rPr lang="en-US" b="1" dirty="0"/>
+              <a:t>to the </a:t>
+            </a:r>
+            <a:r>
+              <a:rPr lang="en-US" b="1" u="sng" dirty="0" smtClean="0">
+                <a:solidFill>
+                  <a:schemeClr val="bg1">
+                    <a:lumMod val="50000"/>
+                  </a:schemeClr>
+                </a:solidFill>
+              </a:rPr>
+              <a:t>frontier</a:t>
+            </a:r>
+            <a:r>
+              <a:rPr lang="en-US" sz="1400" b="1" dirty="0"/>
+              <a:t>	</a:t>
+            </a:r>
+            <a:r>
+              <a:rPr lang="en-US" sz="1400" b="1" dirty="0" smtClean="0"/>
+              <a:t>			</a:t>
+            </a:r>
+            <a:r>
+              <a:rPr lang="en-US" sz="1400" dirty="0"/>
+              <a:t>	</a:t>
+            </a:r>
+            <a:r>
+              <a:rPr lang="en-US" sz="1400" dirty="0" smtClean="0"/>
+              <a:t>	</a:t>
+            </a:r>
+            <a:endParaRPr lang="en-US" sz="1400" dirty="0"/>
+          </a:p>
+        </p:txBody>
+      </p:sp>
+      <p:sp>
+        <p:nvSpPr>
+          <p:cNvPr id="6" name="TextBox 5"/>
+          <p:cNvSpPr txBox="1"/>
+          <p:nvPr/>
+        </p:nvSpPr>
+        <p:spPr>
+          <a:xfrm>
+            <a:off x="6838561" y="1172909"/>
+            <a:ext cx="2305439" cy="369332"/>
+          </a:xfrm>
+          <a:prstGeom prst="rect">
+            <a:avLst/>
+          </a:prstGeom>
+          <a:noFill/>
+          <a:ln w="12700">
+            <a:solidFill>
+              <a:schemeClr val="tx1"/>
+            </a:solidFill>
+            <a:prstDash val="dash"/>
+          </a:ln>
+        </p:spPr>
+        <p:txBody>
+          <a:bodyPr wrap="none" rtlCol="0">
+            <a:spAutoFit/>
+          </a:bodyPr>
+          <a:lstStyle/>
+          <a:p>
+            <a:r>
+              <a:rPr lang="en-US" b="1" dirty="0" smtClean="0">
+                <a:solidFill>
+                  <a:schemeClr val="accent6">
+                    <a:lumMod val="50000"/>
+                  </a:schemeClr>
+                </a:solidFill>
+              </a:rPr>
+              <a:t>Heap = Priority Queue</a:t>
+            </a:r>
+            <a:endParaRPr lang="en-US" b="1" dirty="0">
+              <a:solidFill>
+                <a:schemeClr val="accent6">
+                  <a:lumMod val="50000"/>
+                </a:schemeClr>
+              </a:solidFill>
+            </a:endParaRPr>
+          </a:p>
+        </p:txBody>
+      </p:sp>
+      <p:sp>
+        <p:nvSpPr>
+          <p:cNvPr id="7" name="Left Arrow 6"/>
+          <p:cNvSpPr/>
+          <p:nvPr/>
+        </p:nvSpPr>
+        <p:spPr>
+          <a:xfrm>
+            <a:off x="7360339" y="5334000"/>
+            <a:ext cx="381000" cy="228600"/>
+          </a:xfrm>
+          <a:prstGeom prst="leftArrow">
+            <a:avLst/>
+          </a:prstGeom>
+          <a:solidFill>
+            <a:srgbClr val="C00000"/>
+          </a:solidFill>
+          <a:ln>
+            <a:solidFill>
+              <a:srgbClr val="C00000"/>
+            </a:solidFill>
+          </a:ln>
+        </p:spPr>
+        <p:style>
+          <a:lnRef idx="2">
+            <a:schemeClr val="accent1">
+              <a:shade val="50000"/>
+            </a:schemeClr>
+          </a:lnRef>
+          <a:fillRef idx="1">
+            <a:schemeClr val="accent1"/>
+          </a:fillRef>
+          <a:effectRef idx="0">
+            <a:schemeClr val="accent1"/>
+          </a:effectRef>
+          <a:fontRef idx="minor">
+            <a:schemeClr val="lt1"/>
+          </a:fontRef>
+        </p:style>
+        <p:txBody>
+          <a:bodyPr rtlCol="0" anchor="ctr"/>
+          <a:lstStyle/>
+          <a:p>
+            <a:pPr algn="ctr"/>
+            <a:endParaRPr lang="en-US"/>
+          </a:p>
+        </p:txBody>
+      </p:sp>
+      <p:sp>
+        <p:nvSpPr>
+          <p:cNvPr id="8" name="TextBox 7"/>
+          <p:cNvSpPr txBox="1"/>
+          <p:nvPr/>
+        </p:nvSpPr>
+        <p:spPr>
+          <a:xfrm>
+            <a:off x="7742447" y="5285601"/>
+            <a:ext cx="1424557" cy="276999"/>
+          </a:xfrm>
+          <a:prstGeom prst="rect">
+            <a:avLst/>
+          </a:prstGeom>
+          <a:noFill/>
+        </p:spPr>
+        <p:txBody>
+          <a:bodyPr wrap="none" rtlCol="0">
+            <a:spAutoFit/>
+          </a:bodyPr>
+          <a:lstStyle/>
+          <a:p>
+            <a:r>
+              <a:rPr lang="en-US" sz="1200" i="1" dirty="0" smtClean="0"/>
+              <a:t>Difference from BFS</a:t>
+            </a:r>
+            <a:endParaRPr lang="en-US" sz="1200" i="1" dirty="0"/>
+          </a:p>
+        </p:txBody>
+      </p:sp>
+      <p:sp>
+        <p:nvSpPr>
+          <p:cNvPr id="9" name="Left Arrow 8"/>
+          <p:cNvSpPr/>
+          <p:nvPr/>
+        </p:nvSpPr>
+        <p:spPr>
+          <a:xfrm>
+            <a:off x="5743036" y="1828800"/>
+            <a:ext cx="381000" cy="228600"/>
+          </a:xfrm>
+          <a:prstGeom prst="leftArrow">
+            <a:avLst/>
+          </a:prstGeom>
+          <a:solidFill>
+            <a:srgbClr val="C00000"/>
+          </a:solidFill>
+          <a:ln>
+            <a:solidFill>
+              <a:srgbClr val="C00000"/>
+            </a:solidFill>
+          </a:ln>
+        </p:spPr>
+        <p:style>
+          <a:lnRef idx="2">
+            <a:schemeClr val="accent1">
+              <a:shade val="50000"/>
+            </a:schemeClr>
+          </a:lnRef>
+          <a:fillRef idx="1">
+            <a:schemeClr val="accent1"/>
+          </a:fillRef>
+          <a:effectRef idx="0">
+            <a:schemeClr val="accent1"/>
+          </a:effectRef>
+          <a:fontRef idx="minor">
+            <a:schemeClr val="lt1"/>
+          </a:fontRef>
+        </p:style>
+        <p:txBody>
+          <a:bodyPr rtlCol="0" anchor="ctr"/>
+          <a:lstStyle/>
+          <a:p>
+            <a:pPr algn="ctr"/>
+            <a:endParaRPr lang="en-US"/>
+          </a:p>
+        </p:txBody>
+      </p:sp>
+      <p:sp>
+        <p:nvSpPr>
+          <p:cNvPr id="10" name="TextBox 9"/>
+          <p:cNvSpPr txBox="1"/>
+          <p:nvPr/>
+        </p:nvSpPr>
+        <p:spPr>
+          <a:xfrm>
+            <a:off x="6248400" y="1804600"/>
+            <a:ext cx="1424557" cy="276999"/>
+          </a:xfrm>
+          <a:prstGeom prst="rect">
+            <a:avLst/>
+          </a:prstGeom>
+          <a:noFill/>
+        </p:spPr>
+        <p:txBody>
+          <a:bodyPr wrap="none" rtlCol="0">
+            <a:spAutoFit/>
+          </a:bodyPr>
+          <a:lstStyle/>
+          <a:p>
+            <a:r>
+              <a:rPr lang="en-US" sz="1200" i="1" dirty="0" smtClean="0"/>
+              <a:t>Difference from BFS</a:t>
+            </a:r>
+            <a:endParaRPr lang="en-US" sz="1200" i="1" dirty="0"/>
+          </a:p>
+        </p:txBody>
+      </p:sp>
+    </p:spTree>
+    <p:extLst>
+      <p:ext uri="{BB962C8B-B14F-4D97-AF65-F5344CB8AC3E}">
+        <p14:creationId xmlns:p14="http://schemas.microsoft.com/office/powerpoint/2010/main" val="1305151755"/>
       </p:ext>
     </p:extLst>
   </p:cSld>
@@ -6187,8 +7649,25 @@
                   </a:schemeClr>
                 </a:solidFill>
               </a:rPr>
-              <a:t>Select the action from the search space that maximizes</a:t>
-            </a:r>
+              <a:t>Select the action from the search space that </a:t>
+            </a:r>
+            <a:r>
+              <a:rPr lang="en-US" sz="2000" b="1" dirty="0" smtClean="0">
+                <a:solidFill>
+                  <a:schemeClr val="accent6">
+                    <a:lumMod val="50000"/>
+                  </a:schemeClr>
+                </a:solidFill>
+              </a:rPr>
+              <a:t>minimizes</a:t>
+            </a:r>
+            <a:endParaRPr lang="en-US" sz="2000" b="1" dirty="0" smtClean="0">
+              <a:solidFill>
+                <a:schemeClr val="accent6">
+                  <a:lumMod val="50000"/>
+                </a:schemeClr>
+              </a:solidFill>
+            </a:endParaRPr>
           </a:p>
           <a:p>
             <a:pPr lvl="1"/>
@@ -10943,11 +12422,7 @@
           <a:p>
             <a:r>
               <a:rPr lang="en-US" dirty="0" smtClean="0"/>
-              <a:t>h(1) = </a:t>
-            </a:r>
-            <a:r>
-              <a:rPr lang="en-US" dirty="0" smtClean="0"/>
-              <a:t>14</a:t>
+              <a:t>h(1) = 14</a:t>
             </a:r>
             <a:endParaRPr lang="en-US" dirty="0"/>
           </a:p>
@@ -10977,11 +12452,7 @@
           <a:p>
             <a:r>
               <a:rPr lang="en-US" dirty="0" smtClean="0"/>
-              <a:t>h(5) = </a:t>
-            </a:r>
-            <a:r>
-              <a:rPr lang="en-US" dirty="0" smtClean="0"/>
-              <a:t>10</a:t>
+              <a:t>h(5) = 10</a:t>
             </a:r>
             <a:endParaRPr lang="en-US" dirty="0"/>
           </a:p>
@@ -11081,11 +12552,7 @@
           <a:p>
             <a:r>
               <a:rPr lang="en-US" dirty="0" smtClean="0"/>
-              <a:t>h(10) = </a:t>
-            </a:r>
-            <a:r>
-              <a:rPr lang="en-US" dirty="0" smtClean="0"/>
-              <a:t>5</a:t>
+              <a:t>h(10) = 5</a:t>
             </a:r>
             <a:endParaRPr lang="en-US" dirty="0"/>
           </a:p>
@@ -11336,11 +12803,7 @@
           <a:p>
             <a:r>
               <a:rPr lang="en-US" dirty="0" smtClean="0"/>
-              <a:t>h(10,1) = </a:t>
-            </a:r>
-            <a:r>
-              <a:rPr lang="en-US" dirty="0" smtClean="0"/>
-              <a:t>4</a:t>
+              <a:t>h(10,1) = 4</a:t>
             </a:r>
             <a:endParaRPr lang="en-US" dirty="0"/>
           </a:p>
@@ -11370,11 +12833,7 @@
           <a:p>
             <a:r>
               <a:rPr lang="en-US" dirty="0" smtClean="0"/>
-              <a:t>h(10,5) = </a:t>
-            </a:r>
-            <a:r>
-              <a:rPr lang="en-US" dirty="0" smtClean="0"/>
-              <a:t>0</a:t>
+              <a:t>h(10,5) = 0</a:t>
             </a:r>
             <a:endParaRPr lang="en-US" dirty="0"/>
           </a:p>
@@ -11933,11 +13392,7 @@
           <a:p>
             <a:r>
               <a:rPr lang="en-US" dirty="0" smtClean="0"/>
-              <a:t>h(1) = </a:t>
-            </a:r>
-            <a:r>
-              <a:rPr lang="en-US" dirty="0" smtClean="0"/>
-              <a:t>7</a:t>
+              <a:t>h(1) = 7</a:t>
             </a:r>
             <a:endParaRPr lang="en-US" dirty="0"/>
           </a:p>
@@ -11967,15 +13422,7 @@
           <a:p>
             <a:r>
               <a:rPr lang="en-US" dirty="0" smtClean="0"/>
-              <a:t>h(4) </a:t>
-            </a:r>
-            <a:r>
-              <a:rPr lang="en-US" dirty="0" smtClean="0"/>
-              <a:t>= </a:t>
-            </a:r>
-            <a:r>
-              <a:rPr lang="en-US" dirty="0" smtClean="0"/>
-              <a:t>4</a:t>
+              <a:t>h(4) = 4</a:t>
             </a:r>
             <a:endParaRPr lang="en-US" dirty="0"/>
           </a:p>
@@ -12010,11 +13457,11 @@
                   </a:schemeClr>
                 </a:solidFill>
               </a:rPr>
-              <a:t>coins = BFS( $.08, [ </a:t>
+              <a:t>coins = BFS( $.08, [ 5</a:t>
             </a:r>
             <a:r>
               <a:rPr lang="en-US" b="1" dirty="0" smtClean="0"/>
-              <a:t>5, </a:t>
+              <a:t>, </a:t>
             </a:r>
             <a:r>
               <a:rPr lang="en-US" b="1" dirty="0" smtClean="0">
@@ -12067,17 +13514,7 @@
                   </a:schemeClr>
                 </a:solidFill>
               </a:rPr>
-              <a:t>h(x) = ( Amount – Sum ) </a:t>
-            </a:r>
-            <a:r>
-              <a:rPr lang="en-US" b="1" dirty="0" smtClean="0">
-                <a:solidFill>
-                  <a:schemeClr val="accent6">
-                    <a:lumMod val="75000"/>
-                  </a:schemeClr>
-                </a:solidFill>
-              </a:rPr>
-              <a:t> </a:t>
+              <a:t>h(x) = ( Amount – Sum )  </a:t>
             </a:r>
             <a:endParaRPr lang="en-US" dirty="0"/>
           </a:p>
@@ -12107,11 +13544,7 @@
           <a:p>
             <a:r>
               <a:rPr lang="en-US" dirty="0" smtClean="0"/>
-              <a:t>h(5) = </a:t>
-            </a:r>
-            <a:r>
-              <a:rPr lang="en-US" dirty="0" smtClean="0"/>
-              <a:t>3</a:t>
+              <a:t>h(5) = 3</a:t>
             </a:r>
             <a:endParaRPr lang="en-US" dirty="0"/>
           </a:p>
@@ -12308,11 +13741,7 @@
           <a:p>
             <a:r>
               <a:rPr lang="en-US" dirty="0" smtClean="0"/>
-              <a:t>h(5,1) = </a:t>
-            </a:r>
-            <a:r>
-              <a:rPr lang="en-US" dirty="0" smtClean="0"/>
-              <a:t>2</a:t>
+              <a:t>h(5,1) = 2</a:t>
             </a:r>
             <a:endParaRPr lang="en-US" dirty="0"/>
           </a:p>
@@ -12342,11 +13771,7 @@
           <a:p>
             <a:r>
               <a:rPr lang="en-US" dirty="0" smtClean="0"/>
-              <a:t>h(5,2) = </a:t>
-            </a:r>
-            <a:r>
-              <a:rPr lang="en-US" dirty="0" smtClean="0"/>
-              <a:t>1</a:t>
+              <a:t>h(5,2) = 1</a:t>
             </a:r>
             <a:endParaRPr lang="en-US" dirty="0"/>
           </a:p>
@@ -12714,11 +14139,7 @@
           <a:p>
             <a:r>
               <a:rPr lang="en-US" dirty="0" smtClean="0"/>
-              <a:t>h(5,2,1) = </a:t>
-            </a:r>
-            <a:r>
-              <a:rPr lang="en-US" dirty="0" smtClean="0"/>
-              <a:t>0</a:t>
+              <a:t>h(5,2,1) = 0</a:t>
             </a:r>
             <a:endParaRPr lang="en-US" dirty="0"/>
           </a:p>
@@ -12895,7 +14316,7 @@
                   </a:schemeClr>
                 </a:solidFill>
               </a:rPr>
-              <a:t>A* Algorithm</a:t>
+              <a:t>BFS Greedy – Algorithm</a:t>
             </a:r>
             <a:endParaRPr lang="en-US" dirty="0">
               <a:solidFill>
@@ -12946,8 +14367,8 @@
         </p:nvSpPr>
         <p:spPr>
           <a:xfrm>
-            <a:off x="28575" y="1066800"/>
-            <a:ext cx="9127692" cy="5940088"/>
+            <a:off x="152400" y="1164134"/>
+            <a:ext cx="8763000" cy="5016758"/>
           </a:xfrm>
           <a:prstGeom prst="rect">
             <a:avLst/>
@@ -12955,363 +14376,733 @@
           <a:noFill/>
         </p:spPr>
         <p:txBody>
-          <a:bodyPr wrap="none" rtlCol="0">
+          <a:bodyPr wrap="square" rtlCol="0">
             <a:spAutoFit/>
           </a:bodyPr>
           <a:lstStyle/>
           <a:p>
-            <a:pPr marL="285750" indent="-285750">
-              <a:buFont typeface="Arial" panose="020B0604020202020204" pitchFamily="34" charset="0"/>
-              <a:buChar char="•"/>
-            </a:pPr>
-            <a:r>
-              <a:rPr lang="en-US" sz="2400" b="1" dirty="0" smtClean="0">
-                <a:solidFill>
-                  <a:schemeClr val="accent5">
-                    <a:lumMod val="75000"/>
-                  </a:schemeClr>
-                </a:solidFill>
-              </a:rPr>
-              <a:t>A </a:t>
-            </a:r>
-            <a:r>
-              <a:rPr lang="en-US" sz="2400" b="1" dirty="0" smtClean="0">
+            <a:r>
+              <a:rPr lang="en-US" b="1" dirty="0"/>
+              <a:t>function </a:t>
+            </a:r>
+            <a:r>
+              <a:rPr lang="en-US" b="1" dirty="0" smtClean="0"/>
+              <a:t>Greedy( </a:t>
+            </a:r>
+            <a:r>
+              <a:rPr lang="en-US" b="1" dirty="0"/>
+              <a:t>root , goal)</a:t>
+            </a:r>
+            <a:r>
+              <a:rPr lang="en-US" dirty="0"/>
+              <a:t/>
+            </a:r>
+            <a:br>
+              <a:rPr lang="en-US" dirty="0"/>
+            </a:br>
+            <a:r>
+              <a:rPr lang="en-US" dirty="0">
+                <a:solidFill>
+                  <a:srgbClr val="00B050"/>
+                </a:solidFill>
+              </a:rPr>
+              <a:t/>
+            </a:r>
+            <a:br>
+              <a:rPr lang="en-US" dirty="0">
+                <a:solidFill>
+                  <a:srgbClr val="00B050"/>
+                </a:solidFill>
+              </a:rPr>
+            </a:br>
+            <a:r>
+              <a:rPr lang="en-US" dirty="0">
+                <a:solidFill>
+                  <a:srgbClr val="00B050"/>
+                </a:solidFill>
+              </a:rPr>
+              <a:t>	</a:t>
+            </a:r>
+            <a:r>
+              <a:rPr lang="en-US" b="1" dirty="0"/>
+              <a:t>initialize the </a:t>
+            </a:r>
+            <a:r>
+              <a:rPr lang="en-US" b="1" u="sng" dirty="0">
+                <a:solidFill>
+                  <a:schemeClr val="bg1">
+                    <a:lumMod val="50000"/>
+                  </a:schemeClr>
+                </a:solidFill>
+              </a:rPr>
+              <a:t>frontier</a:t>
+            </a:r>
+            <a:r>
+              <a:rPr lang="en-US" b="1" u="sng" dirty="0"/>
+              <a:t> </a:t>
+            </a:r>
+            <a:r>
+              <a:rPr lang="en-US" b="1" dirty="0"/>
+              <a:t>to the </a:t>
+            </a:r>
+            <a:r>
+              <a:rPr lang="en-US" b="1" u="sng" dirty="0"/>
+              <a:t>root node</a:t>
+            </a:r>
+            <a:r>
+              <a:rPr lang="en-US" b="1" dirty="0"/>
+              <a:t> </a:t>
+            </a:r>
+            <a:r>
+              <a:rPr lang="en-US" b="1" dirty="0" smtClean="0">
+                <a:solidFill>
+                  <a:schemeClr val="accent6">
+                    <a:lumMod val="50000"/>
+                  </a:schemeClr>
+                </a:solidFill>
+              </a:rPr>
+              <a:t>(Heap)</a:t>
+            </a:r>
+            <a:endParaRPr lang="en-US" b="1" dirty="0">
+              <a:solidFill>
+                <a:schemeClr val="accent6">
+                  <a:lumMod val="50000"/>
+                </a:schemeClr>
+              </a:solidFill>
+            </a:endParaRPr>
+          </a:p>
+          <a:p>
+            <a:r>
+              <a:rPr lang="en-US" dirty="0"/>
+              <a:t>	</a:t>
+            </a:r>
+          </a:p>
+          <a:p>
+            <a:r>
+              <a:rPr lang="en-US" dirty="0"/>
+              <a:t>	</a:t>
+            </a:r>
+            <a:r>
+              <a:rPr lang="en-US" b="1" dirty="0"/>
+              <a:t>initialize the </a:t>
+            </a:r>
+            <a:r>
+              <a:rPr lang="en-US" b="1" u="sng" dirty="0"/>
+              <a:t>visited</a:t>
+            </a:r>
+            <a:r>
+              <a:rPr lang="en-US" b="1" dirty="0"/>
+              <a:t> (explored) to the empty set </a:t>
+            </a:r>
+            <a:r>
+              <a:rPr lang="en-US" b="1" dirty="0" smtClean="0">
+                <a:solidFill>
+                  <a:schemeClr val="accent6">
+                    <a:lumMod val="50000"/>
+                  </a:schemeClr>
+                </a:solidFill>
+              </a:rPr>
+              <a:t>(Heap)</a:t>
+            </a:r>
+            <a:r>
+              <a:rPr lang="en-US" b="1" dirty="0">
+                <a:solidFill>
+                  <a:schemeClr val="accent6">
+                    <a:lumMod val="50000"/>
+                  </a:schemeClr>
+                </a:solidFill>
+              </a:rPr>
+              <a:t/>
+            </a:r>
+            <a:br>
+              <a:rPr lang="en-US" b="1" dirty="0">
+                <a:solidFill>
+                  <a:schemeClr val="accent6">
+                    <a:lumMod val="50000"/>
+                  </a:schemeClr>
+                </a:solidFill>
+              </a:rPr>
+            </a:br>
+            <a:r>
+              <a:rPr lang="en-US" dirty="0"/>
+              <a:t/>
+            </a:r>
+            <a:br>
+              <a:rPr lang="en-US" dirty="0"/>
+            </a:br>
+            <a:r>
+              <a:rPr lang="en-US" dirty="0"/>
+              <a:t>	</a:t>
+            </a:r>
+            <a:r>
+              <a:rPr lang="en-US" b="1" dirty="0"/>
+              <a:t>while the </a:t>
+            </a:r>
+            <a:r>
+              <a:rPr lang="en-US" b="1" u="sng" dirty="0">
+                <a:solidFill>
+                  <a:schemeClr val="bg1">
+                    <a:lumMod val="50000"/>
+                  </a:schemeClr>
+                </a:solidFill>
+              </a:rPr>
+              <a:t>frontier </a:t>
+            </a:r>
+            <a:r>
+              <a:rPr lang="en-US" b="1" dirty="0"/>
+              <a:t>is not empty</a:t>
+            </a:r>
+            <a:endParaRPr lang="en-US" dirty="0"/>
+          </a:p>
+          <a:p>
+            <a:r>
+              <a:rPr lang="en-US" dirty="0"/>
+              <a:t>		</a:t>
+            </a:r>
+            <a:r>
+              <a:rPr lang="en-US" b="1" dirty="0"/>
+              <a:t>remove </a:t>
+            </a:r>
+            <a:r>
+              <a:rPr lang="en-US" b="1" dirty="0" smtClean="0">
+                <a:solidFill>
+                  <a:schemeClr val="accent6">
+                    <a:lumMod val="50000"/>
+                  </a:schemeClr>
+                </a:solidFill>
+              </a:rPr>
+              <a:t>(delete min)</a:t>
+            </a:r>
+            <a:r>
+              <a:rPr lang="en-US" b="1" dirty="0" smtClean="0"/>
+              <a:t> </a:t>
+            </a:r>
+            <a:r>
+              <a:rPr lang="en-US" b="1" dirty="0"/>
+              <a:t>the next </a:t>
+            </a:r>
+            <a:r>
+              <a:rPr lang="en-US" b="1" i="1" u="sng" dirty="0"/>
+              <a:t>node</a:t>
+            </a:r>
+            <a:r>
+              <a:rPr lang="en-US" b="1" dirty="0"/>
+              <a:t> from the </a:t>
+            </a:r>
+            <a:r>
+              <a:rPr lang="en-US" b="1" u="sng" dirty="0">
+                <a:solidFill>
+                  <a:schemeClr val="bg1">
+                    <a:lumMod val="50000"/>
+                  </a:schemeClr>
+                </a:solidFill>
+              </a:rPr>
+              <a:t>frontier</a:t>
+            </a:r>
+          </a:p>
+          <a:p>
+            <a:r>
+              <a:rPr lang="en-US" b="1" dirty="0">
+                <a:solidFill>
+                  <a:schemeClr val="bg1">
+                    <a:lumMod val="50000"/>
+                  </a:schemeClr>
+                </a:solidFill>
+              </a:rPr>
+              <a:t>		</a:t>
+            </a:r>
+            <a:r>
+              <a:rPr lang="en-US" b="1" dirty="0"/>
+              <a:t>add </a:t>
+            </a:r>
+            <a:r>
+              <a:rPr lang="en-US" b="1" dirty="0" smtClean="0">
+                <a:solidFill>
+                  <a:schemeClr val="accent6">
+                    <a:lumMod val="50000"/>
+                  </a:schemeClr>
+                </a:solidFill>
+              </a:rPr>
+              <a:t>(insert)</a:t>
+            </a:r>
+            <a:r>
+              <a:rPr lang="en-US" b="1" dirty="0" smtClean="0"/>
+              <a:t> the </a:t>
+            </a:r>
+            <a:r>
+              <a:rPr lang="en-US" b="1" dirty="0"/>
+              <a:t>(node removed from </a:t>
+            </a:r>
+            <a:r>
+              <a:rPr lang="en-US" b="1" u="sng" dirty="0">
+                <a:solidFill>
+                  <a:schemeClr val="bg1">
+                    <a:lumMod val="50000"/>
+                  </a:schemeClr>
+                </a:solidFill>
+              </a:rPr>
+              <a:t>frontier</a:t>
+            </a:r>
+            <a:r>
+              <a:rPr lang="en-US" b="1" dirty="0"/>
+              <a:t>) </a:t>
+            </a:r>
+            <a:r>
+              <a:rPr lang="en-US" b="1" i="1" u="sng" dirty="0"/>
+              <a:t>node</a:t>
+            </a:r>
+            <a:r>
+              <a:rPr lang="en-US" b="1" dirty="0"/>
+              <a:t> to the </a:t>
+            </a:r>
+            <a:r>
+              <a:rPr lang="en-US" b="1" u="sng" dirty="0"/>
+              <a:t>visited</a:t>
+            </a:r>
+          </a:p>
+          <a:p>
+            <a:r>
+              <a:rPr lang="en-US" dirty="0"/>
+              <a:t/>
+            </a:r>
+            <a:br>
+              <a:rPr lang="en-US" dirty="0"/>
+            </a:br>
+            <a:r>
+              <a:rPr lang="en-US" dirty="0"/>
+              <a:t>		</a:t>
+            </a:r>
+            <a:r>
+              <a:rPr lang="en-US" b="1" dirty="0"/>
+              <a:t>if the </a:t>
+            </a:r>
+            <a:r>
+              <a:rPr lang="en-US" b="1" i="1" u="sng" dirty="0"/>
+              <a:t>node</a:t>
+            </a:r>
+            <a:r>
+              <a:rPr lang="en-US" b="1" dirty="0"/>
+              <a:t> matches to </a:t>
+            </a:r>
+            <a:r>
+              <a:rPr lang="en-US" b="1" u="sng" dirty="0">
+                <a:solidFill>
+                  <a:srgbClr val="00B050"/>
+                </a:solidFill>
+              </a:rPr>
+              <a:t>goal node</a:t>
+            </a:r>
+          </a:p>
+          <a:p>
+            <a:r>
+              <a:rPr lang="en-US" dirty="0"/>
+              <a:t>			</a:t>
+            </a:r>
+            <a:r>
+              <a:rPr lang="en-US" b="1" dirty="0"/>
+              <a:t>return </a:t>
+            </a:r>
+            <a:r>
+              <a:rPr lang="en-US" b="1" u="sng" dirty="0">
+                <a:solidFill>
+                  <a:srgbClr val="00B050"/>
+                </a:solidFill>
+              </a:rPr>
+              <a:t>found goal</a:t>
+            </a:r>
+          </a:p>
+          <a:p>
+            <a:endParaRPr lang="en-US" b="1" dirty="0"/>
+          </a:p>
+          <a:p>
+            <a:r>
+              <a:rPr lang="en-US" b="1" dirty="0"/>
+              <a:t>		for each </a:t>
+            </a:r>
+            <a:r>
+              <a:rPr lang="en-US" b="1" u="sng" dirty="0">
+                <a:solidFill>
+                  <a:schemeClr val="tx2">
+                    <a:lumMod val="50000"/>
+                  </a:schemeClr>
+                </a:solidFill>
+              </a:rPr>
+              <a:t>child</a:t>
+            </a:r>
+            <a:r>
+              <a:rPr lang="en-US" b="1" dirty="0"/>
+              <a:t> (neighbor) of the </a:t>
+            </a:r>
+            <a:r>
+              <a:rPr lang="en-US" b="1" i="1" u="sng" dirty="0"/>
+              <a:t>node</a:t>
+            </a:r>
+          </a:p>
+          <a:p>
+            <a:r>
+              <a:rPr lang="en-US" b="1" dirty="0"/>
+              <a:t>			if </a:t>
+            </a:r>
+            <a:r>
+              <a:rPr lang="en-US" b="1" u="sng" dirty="0">
+                <a:solidFill>
+                  <a:schemeClr val="tx2">
+                    <a:lumMod val="50000"/>
+                  </a:schemeClr>
+                </a:solidFill>
+              </a:rPr>
+              <a:t>child</a:t>
+            </a:r>
+            <a:r>
+              <a:rPr lang="en-US" b="1" dirty="0"/>
+              <a:t> not in </a:t>
+            </a:r>
+            <a:r>
+              <a:rPr lang="en-US" b="1" u="sng" dirty="0">
+                <a:solidFill>
+                  <a:schemeClr val="bg1">
+                    <a:lumMod val="50000"/>
+                  </a:schemeClr>
+                </a:solidFill>
+              </a:rPr>
+              <a:t>frontier </a:t>
+            </a:r>
+            <a:r>
+              <a:rPr lang="en-US" b="1" dirty="0"/>
+              <a:t>or </a:t>
+            </a:r>
+            <a:r>
+              <a:rPr lang="en-US" b="1" u="sng" dirty="0" smtClean="0"/>
+              <a:t>visited</a:t>
+            </a:r>
+            <a:endParaRPr lang="en-US" b="1" u="sng" dirty="0" smtClean="0"/>
+          </a:p>
+          <a:p>
+            <a:r>
+              <a:rPr lang="en-US" b="1" dirty="0" smtClean="0"/>
+              <a:t>				set key of </a:t>
+            </a:r>
+            <a:r>
+              <a:rPr lang="en-US" b="1" u="sng" dirty="0" smtClean="0">
+                <a:solidFill>
+                  <a:schemeClr val="tx2">
+                    <a:lumMod val="50000"/>
+                  </a:schemeClr>
+                </a:solidFill>
+              </a:rPr>
+              <a:t>child</a:t>
+            </a:r>
+            <a:r>
+              <a:rPr lang="en-US" b="1" dirty="0" smtClean="0"/>
+              <a:t> to </a:t>
+            </a:r>
+            <a:r>
+              <a:rPr lang="en-US" b="1" dirty="0" smtClean="0">
                 <a:solidFill>
                   <a:schemeClr val="accent6">
                     <a:lumMod val="75000"/>
                   </a:schemeClr>
                 </a:solidFill>
               </a:rPr>
-              <a:t>search method </a:t>
-            </a:r>
-            <a:r>
-              <a:rPr lang="en-US" sz="2400" b="1" dirty="0" smtClean="0">
-                <a:solidFill>
-                  <a:schemeClr val="accent5">
-                    <a:lumMod val="75000"/>
-                  </a:schemeClr>
-                </a:solidFill>
-              </a:rPr>
-              <a:t>of selecting the best local choice at each step</a:t>
-            </a:r>
-          </a:p>
-          <a:p>
-            <a:r>
-              <a:rPr lang="en-US" sz="2400" b="1" dirty="0">
-                <a:solidFill>
-                  <a:schemeClr val="accent5">
-                    <a:lumMod val="75000"/>
-                  </a:schemeClr>
-                </a:solidFill>
-              </a:rPr>
-              <a:t> </a:t>
-            </a:r>
-            <a:r>
-              <a:rPr lang="en-US" sz="2400" b="1" dirty="0" smtClean="0">
-                <a:solidFill>
-                  <a:schemeClr val="accent5">
-                    <a:lumMod val="75000"/>
-                  </a:schemeClr>
-                </a:solidFill>
-              </a:rPr>
-              <a:t>   in hopes of finding an optimal solution.</a:t>
-            </a:r>
-          </a:p>
-          <a:p>
-            <a:pPr marL="285750" indent="-285750">
-              <a:buFont typeface="Arial" panose="020B0604020202020204" pitchFamily="34" charset="0"/>
-              <a:buChar char="•"/>
-            </a:pPr>
-            <a:endParaRPr lang="en-US" sz="2400" b="1" dirty="0">
+              <a:t>h(child)</a:t>
+            </a:r>
+            <a:endParaRPr lang="en-US" b="1" dirty="0">
               <a:solidFill>
-                <a:schemeClr val="accent5">
+                <a:schemeClr val="accent6">
                   <a:lumMod val="75000"/>
                 </a:schemeClr>
               </a:solidFill>
             </a:endParaRPr>
           </a:p>
           <a:p>
-            <a:pPr marL="285750" indent="-285750">
-              <a:buFont typeface="Arial" panose="020B0604020202020204" pitchFamily="34" charset="0"/>
-              <a:buChar char="•"/>
-            </a:pPr>
-            <a:r>
-              <a:rPr lang="en-US" sz="2400" b="1" u="sng" dirty="0" smtClean="0">
-                <a:solidFill>
-                  <a:schemeClr val="accent5">
-                    <a:lumMod val="75000"/>
-                  </a:schemeClr>
-                </a:solidFill>
-              </a:rPr>
-              <a:t>Does</a:t>
-            </a:r>
-            <a:r>
-              <a:rPr lang="en-US" sz="2400" b="1" dirty="0" smtClean="0">
-                <a:solidFill>
-                  <a:schemeClr val="accent5">
-                    <a:lumMod val="75000"/>
-                  </a:schemeClr>
-                </a:solidFill>
-              </a:rPr>
-              <a:t> consider how optimal the current solution is.</a:t>
-            </a:r>
-          </a:p>
-          <a:p>
-            <a:endParaRPr lang="en-US" sz="2400" b="1" dirty="0" smtClean="0">
+            <a:r>
+              <a:rPr lang="en-US" b="1" dirty="0"/>
+              <a:t>				</a:t>
+            </a:r>
+            <a:r>
+              <a:rPr lang="en-US" b="1" dirty="0" smtClean="0"/>
+              <a:t>add</a:t>
+            </a:r>
+            <a:r>
+              <a:rPr lang="en-US" b="1" dirty="0" smtClean="0">
+                <a:solidFill>
+                  <a:schemeClr val="accent6">
+                    <a:lumMod val="50000"/>
+                  </a:schemeClr>
+                </a:solidFill>
+              </a:rPr>
+              <a:t> </a:t>
+            </a:r>
+            <a:r>
+              <a:rPr lang="en-US" b="1" dirty="0">
+                <a:solidFill>
+                  <a:schemeClr val="accent6">
+                    <a:lumMod val="50000"/>
+                  </a:schemeClr>
+                </a:solidFill>
+              </a:rPr>
+              <a:t>(insert)</a:t>
+            </a:r>
+            <a:r>
+              <a:rPr lang="en-US" b="1" dirty="0"/>
+              <a:t> </a:t>
+            </a:r>
+            <a:r>
+              <a:rPr lang="en-US" b="1" u="sng" dirty="0" smtClean="0">
+                <a:solidFill>
+                  <a:schemeClr val="tx2">
+                    <a:lumMod val="50000"/>
+                  </a:schemeClr>
+                </a:solidFill>
+              </a:rPr>
+              <a:t>child</a:t>
+            </a:r>
+            <a:r>
+              <a:rPr lang="en-US" b="1" dirty="0" smtClean="0"/>
+              <a:t> </a:t>
+            </a:r>
+            <a:r>
+              <a:rPr lang="en-US" b="1" dirty="0"/>
+              <a:t>to the </a:t>
+            </a:r>
+            <a:r>
+              <a:rPr lang="en-US" b="1" u="sng" dirty="0" smtClean="0">
+                <a:solidFill>
+                  <a:schemeClr val="bg1">
+                    <a:lumMod val="50000"/>
+                  </a:schemeClr>
+                </a:solidFill>
+              </a:rPr>
+              <a:t>frontier</a:t>
+            </a:r>
+            <a:r>
+              <a:rPr lang="en-US" sz="1400" b="1" dirty="0"/>
+              <a:t>	</a:t>
+            </a:r>
+            <a:r>
+              <a:rPr lang="en-US" sz="1400" b="1" dirty="0" smtClean="0"/>
+              <a:t>			</a:t>
+            </a:r>
+            <a:r>
+              <a:rPr lang="en-US" sz="1400" dirty="0"/>
+              <a:t>	</a:t>
+            </a:r>
+            <a:r>
+              <a:rPr lang="en-US" sz="1400" dirty="0" smtClean="0"/>
+              <a:t>	</a:t>
+            </a:r>
+            <a:endParaRPr lang="en-US" sz="1400" dirty="0"/>
+          </a:p>
+        </p:txBody>
+      </p:sp>
+      <p:sp>
+        <p:nvSpPr>
+          <p:cNvPr id="6" name="TextBox 5"/>
+          <p:cNvSpPr txBox="1"/>
+          <p:nvPr/>
+        </p:nvSpPr>
+        <p:spPr>
+          <a:xfrm>
+            <a:off x="6838561" y="1172909"/>
+            <a:ext cx="2305439" cy="369332"/>
+          </a:xfrm>
+          <a:prstGeom prst="rect">
+            <a:avLst/>
+          </a:prstGeom>
+          <a:noFill/>
+          <a:ln w="12700">
+            <a:solidFill>
+              <a:schemeClr val="tx1"/>
+            </a:solidFill>
+            <a:prstDash val="dash"/>
+          </a:ln>
+        </p:spPr>
+        <p:txBody>
+          <a:bodyPr wrap="none" rtlCol="0">
+            <a:spAutoFit/>
+          </a:bodyPr>
+          <a:lstStyle/>
+          <a:p>
+            <a:r>
+              <a:rPr lang="en-US" b="1" dirty="0" smtClean="0">
+                <a:solidFill>
+                  <a:schemeClr val="accent6">
+                    <a:lumMod val="50000"/>
+                  </a:schemeClr>
+                </a:solidFill>
+              </a:rPr>
+              <a:t>Heap = Priority Queue</a:t>
+            </a:r>
+            <a:endParaRPr lang="en-US" b="1" dirty="0">
               <a:solidFill>
-                <a:schemeClr val="accent5">
-                  <a:lumMod val="75000"/>
+                <a:schemeClr val="accent6">
+                  <a:lumMod val="50000"/>
                 </a:schemeClr>
               </a:solidFill>
             </a:endParaRPr>
           </a:p>
-          <a:p>
-            <a:pPr marL="285750" indent="-285750">
-              <a:buFont typeface="Arial" panose="020B0604020202020204" pitchFamily="34" charset="0"/>
-              <a:buChar char="•"/>
-            </a:pPr>
-            <a:r>
-              <a:rPr lang="en-US" sz="2400" b="1" dirty="0" smtClean="0">
-                <a:solidFill>
-                  <a:schemeClr val="accent5">
-                    <a:lumMod val="75000"/>
-                  </a:schemeClr>
-                </a:solidFill>
-              </a:rPr>
-              <a:t>At each step, uses a heuristic h(x) to estimate the distance (cost) </a:t>
-            </a:r>
-            <a:br>
-              <a:rPr lang="en-US" sz="2400" b="1" dirty="0" smtClean="0">
-                <a:solidFill>
-                  <a:schemeClr val="accent5">
-                    <a:lumMod val="75000"/>
-                  </a:schemeClr>
-                </a:solidFill>
-              </a:rPr>
-            </a:br>
-            <a:r>
-              <a:rPr lang="en-US" sz="2400" b="1" dirty="0" smtClean="0">
-                <a:solidFill>
-                  <a:schemeClr val="accent5">
-                    <a:lumMod val="75000"/>
-                  </a:schemeClr>
-                </a:solidFill>
-              </a:rPr>
-              <a:t>of each local choice from the goal, plus the accumulated distance </a:t>
-            </a:r>
-          </a:p>
-          <a:p>
-            <a:r>
-              <a:rPr lang="en-US" sz="2400" b="1" dirty="0">
-                <a:solidFill>
-                  <a:schemeClr val="accent5">
-                    <a:lumMod val="75000"/>
-                  </a:schemeClr>
-                </a:solidFill>
-              </a:rPr>
-              <a:t> </a:t>
-            </a:r>
-            <a:r>
-              <a:rPr lang="en-US" sz="2400" b="1" dirty="0" smtClean="0">
-                <a:solidFill>
-                  <a:schemeClr val="accent5">
-                    <a:lumMod val="75000"/>
-                  </a:schemeClr>
-                </a:solidFill>
-              </a:rPr>
-              <a:t>   (cost) </a:t>
-            </a:r>
-            <a:r>
-              <a:rPr lang="en-US" sz="2400" b="1" dirty="0">
-                <a:solidFill>
-                  <a:schemeClr val="accent5">
-                    <a:lumMod val="75000"/>
-                  </a:schemeClr>
-                </a:solidFill>
-              </a:rPr>
-              <a:t>g(x) to the current state .</a:t>
-            </a:r>
-            <a:endParaRPr lang="en-US" sz="2400" b="1" dirty="0" smtClean="0">
-              <a:solidFill>
-                <a:schemeClr val="accent5">
-                  <a:lumMod val="75000"/>
-                </a:schemeClr>
-              </a:solidFill>
-            </a:endParaRPr>
-          </a:p>
-          <a:p>
-            <a:pPr marL="285750" indent="-285750">
-              <a:buFont typeface="Arial" panose="020B0604020202020204" pitchFamily="34" charset="0"/>
-              <a:buChar char="•"/>
-            </a:pPr>
-            <a:endParaRPr lang="en-US" sz="2400" b="1" dirty="0">
-              <a:solidFill>
-                <a:schemeClr val="accent5">
-                  <a:lumMod val="75000"/>
-                </a:schemeClr>
-              </a:solidFill>
-            </a:endParaRPr>
-          </a:p>
-          <a:p>
-            <a:pPr marL="285750" indent="-285750">
-              <a:buFont typeface="Arial" panose="020B0604020202020204" pitchFamily="34" charset="0"/>
-              <a:buChar char="•"/>
-            </a:pPr>
-            <a:r>
-              <a:rPr lang="en-US" sz="2400" b="1" dirty="0" smtClean="0">
-                <a:solidFill>
-                  <a:schemeClr val="accent5">
-                    <a:lumMod val="75000"/>
-                  </a:schemeClr>
-                </a:solidFill>
-              </a:rPr>
-              <a:t>Steps:</a:t>
-            </a:r>
-          </a:p>
-          <a:p>
-            <a:pPr marL="971550" lvl="1" indent="-514350">
-              <a:buFont typeface="+mj-lt"/>
-              <a:buAutoNum type="arabicPeriod"/>
-            </a:pPr>
-            <a:r>
-              <a:rPr lang="en-US" sz="2000" b="1" dirty="0" smtClean="0">
-                <a:solidFill>
-                  <a:schemeClr val="accent6">
-                    <a:lumMod val="50000"/>
-                  </a:schemeClr>
-                </a:solidFill>
-              </a:rPr>
-              <a:t>Define a heuristic function h(x) to estimate the </a:t>
-            </a:r>
-          </a:p>
-          <a:p>
-            <a:pPr lvl="1"/>
-            <a:r>
-              <a:rPr lang="en-US" sz="2000" b="1" dirty="0">
-                <a:solidFill>
-                  <a:schemeClr val="accent6">
-                    <a:lumMod val="50000"/>
-                  </a:schemeClr>
-                </a:solidFill>
-              </a:rPr>
-              <a:t> </a:t>
-            </a:r>
-            <a:r>
-              <a:rPr lang="en-US" sz="2000" b="1" dirty="0" smtClean="0">
-                <a:solidFill>
-                  <a:schemeClr val="accent6">
-                    <a:lumMod val="50000"/>
-                  </a:schemeClr>
-                </a:solidFill>
-              </a:rPr>
-              <a:t>      </a:t>
-            </a:r>
-            <a:r>
-              <a:rPr lang="en-US" sz="2000" b="1" dirty="0">
-                <a:solidFill>
-                  <a:schemeClr val="accent6">
-                    <a:lumMod val="50000"/>
-                  </a:schemeClr>
-                </a:solidFill>
-              </a:rPr>
-              <a:t> </a:t>
-            </a:r>
-            <a:r>
-              <a:rPr lang="en-US" sz="2000" b="1" dirty="0" smtClean="0">
-                <a:solidFill>
-                  <a:schemeClr val="accent6">
-                    <a:lumMod val="50000"/>
-                  </a:schemeClr>
-                </a:solidFill>
-              </a:rPr>
-              <a:t>distance to the goal from any state.</a:t>
-            </a:r>
-          </a:p>
-          <a:p>
-            <a:pPr marL="914400" lvl="1" indent="-457200">
-              <a:buAutoNum type="arabicPeriod" startAt="2"/>
-            </a:pPr>
-            <a:r>
-              <a:rPr lang="en-US" sz="2000" b="1" dirty="0" smtClean="0">
-                <a:solidFill>
-                  <a:schemeClr val="accent6">
-                    <a:lumMod val="50000"/>
-                  </a:schemeClr>
-                </a:solidFill>
-              </a:rPr>
-              <a:t>Define a function g(x) for measuring the actual distance from the start state</a:t>
-            </a:r>
-          </a:p>
-          <a:p>
-            <a:pPr lvl="1"/>
-            <a:r>
-              <a:rPr lang="en-US" sz="2000" b="1" dirty="0" smtClean="0">
-                <a:solidFill>
-                  <a:schemeClr val="accent6">
-                    <a:lumMod val="50000"/>
-                  </a:schemeClr>
-                </a:solidFill>
-              </a:rPr>
-              <a:t>	to the current state.</a:t>
-            </a:r>
-          </a:p>
-          <a:p>
-            <a:pPr lvl="1"/>
-            <a:r>
-              <a:rPr lang="en-US" sz="2000" b="1" dirty="0" smtClean="0">
-                <a:solidFill>
-                  <a:schemeClr val="accent6">
-                    <a:lumMod val="50000"/>
-                  </a:schemeClr>
-                </a:solidFill>
-              </a:rPr>
-              <a:t>2.     From the current state, determine the search space</a:t>
-            </a:r>
-          </a:p>
-          <a:p>
-            <a:pPr lvl="1"/>
-            <a:r>
-              <a:rPr lang="en-US" sz="2000" b="1" dirty="0">
-                <a:solidFill>
-                  <a:schemeClr val="accent6">
-                    <a:lumMod val="50000"/>
-                  </a:schemeClr>
-                </a:solidFill>
-              </a:rPr>
-              <a:t> </a:t>
-            </a:r>
-            <a:r>
-              <a:rPr lang="en-US" sz="2000" b="1" dirty="0" smtClean="0">
-                <a:solidFill>
-                  <a:schemeClr val="accent6">
-                    <a:lumMod val="50000"/>
-                  </a:schemeClr>
-                </a:solidFill>
-              </a:rPr>
-              <a:t>       (actions) for one step ahead.</a:t>
-            </a:r>
-          </a:p>
-          <a:p>
-            <a:pPr marL="914400" lvl="1" indent="-457200">
-              <a:buAutoNum type="arabicPeriod" startAt="3"/>
-            </a:pPr>
-            <a:r>
-              <a:rPr lang="en-US" sz="2000" b="1" dirty="0" smtClean="0">
-                <a:solidFill>
-                  <a:schemeClr val="accent6">
-                    <a:lumMod val="50000"/>
-                  </a:schemeClr>
-                </a:solidFill>
-              </a:rPr>
-              <a:t>Select the action from the search space that maximizes g(x) + h(x).</a:t>
-            </a:r>
+        </p:txBody>
+      </p:sp>
+      <p:sp>
+        <p:nvSpPr>
+          <p:cNvPr id="9" name="Left Arrow 8"/>
+          <p:cNvSpPr/>
+          <p:nvPr/>
+        </p:nvSpPr>
+        <p:spPr>
+          <a:xfrm>
+            <a:off x="5743036" y="1828800"/>
+            <a:ext cx="381000" cy="228600"/>
+          </a:xfrm>
+          <a:prstGeom prst="leftArrow">
+            <a:avLst/>
+          </a:prstGeom>
+          <a:solidFill>
+            <a:srgbClr val="C00000"/>
+          </a:solidFill>
+          <a:ln>
+            <a:solidFill>
+              <a:srgbClr val="C00000"/>
+            </a:solidFill>
+          </a:ln>
+        </p:spPr>
+        <p:style>
+          <a:lnRef idx="2">
+            <a:schemeClr val="accent1">
+              <a:shade val="50000"/>
+            </a:schemeClr>
+          </a:lnRef>
+          <a:fillRef idx="1">
+            <a:schemeClr val="accent1"/>
+          </a:fillRef>
+          <a:effectRef idx="0">
+            <a:schemeClr val="accent1"/>
+          </a:effectRef>
+          <a:fontRef idx="minor">
+            <a:schemeClr val="lt1"/>
+          </a:fontRef>
+        </p:style>
+        <p:txBody>
+          <a:bodyPr rtlCol="0" anchor="ctr"/>
+          <a:lstStyle/>
+          <a:p>
+            <a:pPr algn="ctr"/>
+            <a:endParaRPr lang="en-US"/>
+          </a:p>
+        </p:txBody>
+      </p:sp>
+      <p:sp>
+        <p:nvSpPr>
+          <p:cNvPr id="11" name="Left Arrow 10"/>
+          <p:cNvSpPr/>
+          <p:nvPr/>
+        </p:nvSpPr>
+        <p:spPr>
+          <a:xfrm>
+            <a:off x="6648061" y="5334000"/>
+            <a:ext cx="381000" cy="228600"/>
+          </a:xfrm>
+          <a:prstGeom prst="leftArrow">
+            <a:avLst/>
+          </a:prstGeom>
+          <a:solidFill>
+            <a:srgbClr val="C00000"/>
+          </a:solidFill>
+          <a:ln>
+            <a:solidFill>
+              <a:srgbClr val="C00000"/>
+            </a:solidFill>
+          </a:ln>
+        </p:spPr>
+        <p:style>
+          <a:lnRef idx="2">
+            <a:schemeClr val="accent1">
+              <a:shade val="50000"/>
+            </a:schemeClr>
+          </a:lnRef>
+          <a:fillRef idx="1">
+            <a:schemeClr val="accent1"/>
+          </a:fillRef>
+          <a:effectRef idx="0">
+            <a:schemeClr val="accent1"/>
+          </a:effectRef>
+          <a:fontRef idx="minor">
+            <a:schemeClr val="lt1"/>
+          </a:fontRef>
+        </p:style>
+        <p:txBody>
+          <a:bodyPr rtlCol="0" anchor="ctr"/>
+          <a:lstStyle/>
+          <a:p>
+            <a:pPr algn="ctr"/>
+            <a:endParaRPr lang="en-US"/>
+          </a:p>
+        </p:txBody>
+      </p:sp>
+      <p:sp>
+        <p:nvSpPr>
+          <p:cNvPr id="10" name="TextBox 9"/>
+          <p:cNvSpPr txBox="1"/>
+          <p:nvPr/>
+        </p:nvSpPr>
+        <p:spPr>
+          <a:xfrm>
+            <a:off x="6248400" y="1804600"/>
+            <a:ext cx="1424557" cy="276999"/>
+          </a:xfrm>
+          <a:prstGeom prst="rect">
+            <a:avLst/>
+          </a:prstGeom>
+          <a:noFill/>
+        </p:spPr>
+        <p:txBody>
+          <a:bodyPr wrap="none" rtlCol="0">
+            <a:spAutoFit/>
+          </a:bodyPr>
+          <a:lstStyle/>
+          <a:p>
+            <a:r>
+              <a:rPr lang="en-US" sz="1200" i="1" dirty="0" smtClean="0"/>
+              <a:t>Difference from BFS</a:t>
+            </a:r>
+            <a:endParaRPr lang="en-US" sz="1200" i="1" dirty="0"/>
+          </a:p>
+        </p:txBody>
+      </p:sp>
+      <p:sp>
+        <p:nvSpPr>
+          <p:cNvPr id="14" name="TextBox 13"/>
+          <p:cNvSpPr txBox="1"/>
+          <p:nvPr/>
+        </p:nvSpPr>
+        <p:spPr>
+          <a:xfrm>
+            <a:off x="7113078" y="5293985"/>
+            <a:ext cx="1424557" cy="276999"/>
+          </a:xfrm>
+          <a:prstGeom prst="rect">
+            <a:avLst/>
+          </a:prstGeom>
+          <a:noFill/>
+        </p:spPr>
+        <p:txBody>
+          <a:bodyPr wrap="none" rtlCol="0">
+            <a:spAutoFit/>
+          </a:bodyPr>
+          <a:lstStyle/>
+          <a:p>
+            <a:r>
+              <a:rPr lang="en-US" sz="1200" i="1" dirty="0" smtClean="0"/>
+              <a:t>Difference from BFS</a:t>
+            </a:r>
+            <a:endParaRPr lang="en-US" sz="1200" i="1" dirty="0"/>
           </a:p>
         </p:txBody>
       </p:sp>
     </p:spTree>
     <p:extLst>
       <p:ext uri="{BB962C8B-B14F-4D97-AF65-F5344CB8AC3E}">
-        <p14:creationId xmlns:p14="http://schemas.microsoft.com/office/powerpoint/2010/main" val="4182417304"/>
+        <p14:creationId xmlns:p14="http://schemas.microsoft.com/office/powerpoint/2010/main" val="2213931807"/>
       </p:ext>
     </p:extLst>
   </p:cSld>

--- a/Presentations/AI - Greedy.pptx
+++ b/Presentations/AI - Greedy.pptx
@@ -204,7 +204,7 @@
           <a:p>
             <a:fld id="{FAF957FC-5175-49AC-8D2B-2F056FFFC1DD}" type="datetimeFigureOut">
               <a:rPr lang="en-US" smtClean="0"/>
-              <a:t>7/2/2017</a:t>
+              <a:t>7/3/2017</a:t>
             </a:fld>
             <a:endParaRPr lang="en-US"/>
           </a:p>
@@ -822,7 +822,7 @@
             <a:fld id="{1D8BD707-D9CF-40AE-B4C6-C98DA3205C09}" type="datetimeFigureOut">
               <a:rPr lang="en-US" smtClean="0"/>
               <a:pPr/>
-              <a:t>7/2/2017</a:t>
+              <a:t>7/3/2017</a:t>
             </a:fld>
             <a:endParaRPr lang="en-US"/>
           </a:p>
@@ -989,7 +989,7 @@
             <a:fld id="{1D8BD707-D9CF-40AE-B4C6-C98DA3205C09}" type="datetimeFigureOut">
               <a:rPr lang="en-US" smtClean="0"/>
               <a:pPr/>
-              <a:t>7/2/2017</a:t>
+              <a:t>7/3/2017</a:t>
             </a:fld>
             <a:endParaRPr lang="en-US"/>
           </a:p>
@@ -1166,7 +1166,7 @@
             <a:fld id="{1D8BD707-D9CF-40AE-B4C6-C98DA3205C09}" type="datetimeFigureOut">
               <a:rPr lang="en-US" smtClean="0"/>
               <a:pPr/>
-              <a:t>7/2/2017</a:t>
+              <a:t>7/3/2017</a:t>
             </a:fld>
             <a:endParaRPr lang="en-US"/>
           </a:p>
@@ -1333,7 +1333,7 @@
             <a:fld id="{1D8BD707-D9CF-40AE-B4C6-C98DA3205C09}" type="datetimeFigureOut">
               <a:rPr lang="en-US" smtClean="0"/>
               <a:pPr/>
-              <a:t>7/2/2017</a:t>
+              <a:t>7/3/2017</a:t>
             </a:fld>
             <a:endParaRPr lang="en-US"/>
           </a:p>
@@ -1576,7 +1576,7 @@
             <a:fld id="{1D8BD707-D9CF-40AE-B4C6-C98DA3205C09}" type="datetimeFigureOut">
               <a:rPr lang="en-US" smtClean="0"/>
               <a:pPr/>
-              <a:t>7/2/2017</a:t>
+              <a:t>7/3/2017</a:t>
             </a:fld>
             <a:endParaRPr lang="en-US"/>
           </a:p>
@@ -1861,7 +1861,7 @@
             <a:fld id="{1D8BD707-D9CF-40AE-B4C6-C98DA3205C09}" type="datetimeFigureOut">
               <a:rPr lang="en-US" smtClean="0"/>
               <a:pPr/>
-              <a:t>7/2/2017</a:t>
+              <a:t>7/3/2017</a:t>
             </a:fld>
             <a:endParaRPr lang="en-US"/>
           </a:p>
@@ -2280,7 +2280,7 @@
             <a:fld id="{1D8BD707-D9CF-40AE-B4C6-C98DA3205C09}" type="datetimeFigureOut">
               <a:rPr lang="en-US" smtClean="0"/>
               <a:pPr/>
-              <a:t>7/2/2017</a:t>
+              <a:t>7/3/2017</a:t>
             </a:fld>
             <a:endParaRPr lang="en-US"/>
           </a:p>
@@ -2395,7 +2395,7 @@
             <a:fld id="{1D8BD707-D9CF-40AE-B4C6-C98DA3205C09}" type="datetimeFigureOut">
               <a:rPr lang="en-US" smtClean="0"/>
               <a:pPr/>
-              <a:t>7/2/2017</a:t>
+              <a:t>7/3/2017</a:t>
             </a:fld>
             <a:endParaRPr lang="en-US"/>
           </a:p>
@@ -2487,7 +2487,7 @@
             <a:fld id="{1D8BD707-D9CF-40AE-B4C6-C98DA3205C09}" type="datetimeFigureOut">
               <a:rPr lang="en-US" smtClean="0"/>
               <a:pPr/>
-              <a:t>7/2/2017</a:t>
+              <a:t>7/3/2017</a:t>
             </a:fld>
             <a:endParaRPr lang="en-US"/>
           </a:p>
@@ -2761,7 +2761,7 @@
             <a:fld id="{1D8BD707-D9CF-40AE-B4C6-C98DA3205C09}" type="datetimeFigureOut">
               <a:rPr lang="en-US" smtClean="0"/>
               <a:pPr/>
-              <a:t>7/2/2017</a:t>
+              <a:t>7/3/2017</a:t>
             </a:fld>
             <a:endParaRPr lang="en-US"/>
           </a:p>
@@ -3011,7 +3011,7 @@
             <a:fld id="{1D8BD707-D9CF-40AE-B4C6-C98DA3205C09}" type="datetimeFigureOut">
               <a:rPr lang="en-US" smtClean="0"/>
               <a:pPr/>
-              <a:t>7/2/2017</a:t>
+              <a:t>7/3/2017</a:t>
             </a:fld>
             <a:endParaRPr lang="en-US"/>
           </a:p>
@@ -3221,7 +3221,7 @@
             <a:fld id="{1D8BD707-D9CF-40AE-B4C6-C98DA3205C09}" type="datetimeFigureOut">
               <a:rPr lang="en-US" smtClean="0"/>
               <a:pPr/>
-              <a:t>7/2/2017</a:t>
+              <a:t>7/3/2017</a:t>
             </a:fld>
             <a:endParaRPr lang="en-US"/>
           </a:p>
@@ -3656,27 +3656,18 @@
                   </a:schemeClr>
                 </a:solidFill>
               </a:rPr>
-              <a:t>Andrew </a:t>
-            </a:r>
-            <a:r>
-              <a:rPr lang="en-US" sz="2400" dirty="0" err="1" smtClean="0">
+              <a:t>Portland </a:t>
+            </a:r>
+            <a:r>
+              <a:rPr lang="en-US" sz="2400" dirty="0" smtClean="0">
                 <a:solidFill>
                   <a:schemeClr val="accent1">
                     <a:lumMod val="75000"/>
                   </a:schemeClr>
                 </a:solidFill>
               </a:rPr>
-              <a:t>Ferlitsch</a:t>
-            </a:r>
-            <a:endParaRPr lang="en-US" sz="2400" dirty="0" smtClean="0">
-              <a:solidFill>
-                <a:schemeClr val="accent1">
-                  <a:lumMod val="75000"/>
-                </a:schemeClr>
-              </a:solidFill>
-            </a:endParaRPr>
-          </a:p>
-          <a:p>
+              <a:t>Data Science </a:t>
+            </a:r>
             <a:r>
               <a:rPr lang="en-US" sz="2400" dirty="0" smtClean="0">
                 <a:solidFill>
@@ -3685,8 +3676,10 @@
                   </a:schemeClr>
                 </a:solidFill>
               </a:rPr>
-              <a:t>Portland Data Science </a:t>
-            </a:r>
+              <a:t>Group</a:t>
+            </a:r>
+          </a:p>
+          <a:p>
             <a:r>
               <a:rPr lang="en-US" sz="2400" dirty="0">
                 <a:solidFill>
@@ -3695,7 +3688,27 @@
                   </a:schemeClr>
                 </a:solidFill>
               </a:rPr>
-              <a:t>Group</a:t>
+              <a:t>Andrew </a:t>
+            </a:r>
+            <a:r>
+              <a:rPr lang="en-US" sz="2400" smtClean="0">
+                <a:solidFill>
+                  <a:schemeClr val="accent1">
+                    <a:lumMod val="75000"/>
+                  </a:schemeClr>
+                </a:solidFill>
+              </a:rPr>
+              <a:t>Ferlitsch</a:t>
+            </a:r>
+            <a:r>
+              <a:rPr lang="en-US" sz="2400" dirty="0">
+                <a:solidFill>
+                  <a:schemeClr val="accent1">
+                    <a:lumMod val="75000"/>
+                  </a:schemeClr>
+                </a:solidFill>
+              </a:rPr>
+              <a:t/>
             </a:r>
             <a:br>
               <a:rPr lang="en-US" sz="2400" dirty="0">
@@ -3741,6 +3754,128 @@
           </a:p>
         </p:txBody>
       </p:sp>
+      <p:sp>
+        <p:nvSpPr>
+          <p:cNvPr id="4" name="Rectangle 3"/>
+          <p:cNvSpPr/>
+          <p:nvPr/>
+        </p:nvSpPr>
+        <p:spPr>
+          <a:xfrm>
+            <a:off x="7543800" y="5934075"/>
+            <a:ext cx="1447800" cy="762000"/>
+          </a:xfrm>
+          <a:prstGeom prst="rect">
+            <a:avLst/>
+          </a:prstGeom>
+        </p:spPr>
+        <p:style>
+          <a:lnRef idx="2">
+            <a:schemeClr val="accent1">
+              <a:shade val="50000"/>
+            </a:schemeClr>
+          </a:lnRef>
+          <a:fillRef idx="1">
+            <a:schemeClr val="accent1"/>
+          </a:fillRef>
+          <a:effectRef idx="0">
+            <a:schemeClr val="accent1"/>
+          </a:effectRef>
+          <a:fontRef idx="minor">
+            <a:schemeClr val="lt1"/>
+          </a:fontRef>
+        </p:style>
+        <p:txBody>
+          <a:bodyPr rtlCol="0" anchor="ctr"/>
+          <a:lstStyle/>
+          <a:p>
+            <a:pPr algn="ctr"/>
+            <a:endParaRPr lang="en-US"/>
+          </a:p>
+        </p:txBody>
+      </p:sp>
+      <p:pic>
+        <p:nvPicPr>
+          <p:cNvPr id="5" name="Picture 3" descr="C:\Users\Andrew\Desktop\cc_icon_white_x2.png"/>
+          <p:cNvPicPr>
+            <a:picLocks noChangeAspect="1" noChangeArrowheads="1"/>
+          </p:cNvPicPr>
+          <p:nvPr/>
+        </p:nvPicPr>
+        <p:blipFill>
+          <a:blip r:embed="rId2">
+            <a:extLst>
+              <a:ext uri="{28A0092B-C50C-407E-A947-70E740481C1C}">
+                <a14:useLocalDpi xmlns:a14="http://schemas.microsoft.com/office/drawing/2010/main" val="0"/>
+              </a:ext>
+            </a:extLst>
+          </a:blip>
+          <a:srcRect/>
+          <a:stretch>
+            <a:fillRect/>
+          </a:stretch>
+        </p:blipFill>
+        <p:spPr bwMode="auto">
+          <a:xfrm>
+            <a:off x="7607300" y="6010275"/>
+            <a:ext cx="609600" cy="609600"/>
+          </a:xfrm>
+          <a:prstGeom prst="rect">
+            <a:avLst/>
+          </a:prstGeom>
+          <a:noFill/>
+          <a:extLst>
+            <a:ext uri="{909E8E84-426E-40DD-AFC4-6F175D3DCCD1}">
+              <a14:hiddenFill xmlns:a14="http://schemas.microsoft.com/office/drawing/2010/main">
+                <a:solidFill>
+                  <a:srgbClr val="FFFFFF"/>
+                </a:solidFill>
+              </a14:hiddenFill>
+            </a:ext>
+          </a:extLst>
+        </p:spPr>
+      </p:pic>
+      <p:pic>
+        <p:nvPicPr>
+          <p:cNvPr id="6" name="Picture 4" descr="C:\Users\Andrew\Desktop\attribution_icon_white_x2.png"/>
+          <p:cNvPicPr>
+            <a:picLocks noChangeAspect="1" noChangeArrowheads="1"/>
+          </p:cNvPicPr>
+          <p:nvPr/>
+        </p:nvPicPr>
+        <p:blipFill>
+          <a:blip r:embed="rId3">
+            <a:extLst>
+              <a:ext uri="{28A0092B-C50C-407E-A947-70E740481C1C}">
+                <a14:useLocalDpi xmlns:a14="http://schemas.microsoft.com/office/drawing/2010/main" val="0"/>
+              </a:ext>
+            </a:extLst>
+          </a:blip>
+          <a:srcRect/>
+          <a:stretch>
+            <a:fillRect/>
+          </a:stretch>
+        </p:blipFill>
+        <p:spPr bwMode="auto">
+          <a:xfrm>
+            <a:off x="8296275" y="6022975"/>
+            <a:ext cx="596900" cy="596900"/>
+          </a:xfrm>
+          <a:prstGeom prst="rect">
+            <a:avLst/>
+          </a:prstGeom>
+          <a:noFill/>
+          <a:extLst>
+            <a:ext uri="{909E8E84-426E-40DD-AFC4-6F175D3DCCD1}">
+              <a14:hiddenFill xmlns:a14="http://schemas.microsoft.com/office/drawing/2010/main">
+                <a:solidFill>
+                  <a:srgbClr val="FFFFFF"/>
+                </a:solidFill>
+              </a14:hiddenFill>
+            </a:ext>
+          </a:extLst>
+        </p:spPr>
+      </p:pic>
     </p:spTree>
     <p:extLst>
       <p:ext uri="{BB962C8B-B14F-4D97-AF65-F5344CB8AC3E}">
@@ -4217,27 +4352,7 @@
                   </a:schemeClr>
                 </a:solidFill>
               </a:rPr>
-              <a:t>Select the action from the search space that </a:t>
-            </a:r>
-            <a:r>
-              <a:rPr lang="en-US" sz="2000" b="1" dirty="0" smtClean="0">
-                <a:solidFill>
-                  <a:schemeClr val="accent6">
-                    <a:lumMod val="50000"/>
-                  </a:schemeClr>
-                </a:solidFill>
-              </a:rPr>
-              <a:t>minimizes </a:t>
-            </a:r>
-            <a:r>
-              <a:rPr lang="en-US" sz="2000" b="1" dirty="0" smtClean="0">
-                <a:solidFill>
-                  <a:schemeClr val="accent6">
-                    <a:lumMod val="50000"/>
-                  </a:schemeClr>
-                </a:solidFill>
-              </a:rPr>
-              <a:t>g(x) + h(x).</a:t>
+              <a:t>Select the action from the search space that minimizes g(x) + h(x).</a:t>
             </a:r>
           </a:p>
         </p:txBody>
@@ -6282,37 +6397,7 @@
                   </a:schemeClr>
                 </a:solidFill>
               </a:rPr>
-              <a:t>f(B) = g(B) + h(B) = 10 + </a:t>
-            </a:r>
-            <a:r>
-              <a:rPr lang="en-US" sz="1200" b="1" dirty="0" smtClean="0">
-                <a:solidFill>
-                  <a:schemeClr val="accent6">
-                    <a:lumMod val="75000"/>
-                  </a:schemeClr>
-                </a:solidFill>
-              </a:rPr>
-              <a:t>10 </a:t>
-            </a:r>
-            <a:r>
-              <a:rPr lang="en-US" sz="1200" b="1" dirty="0" smtClean="0">
-                <a:solidFill>
-                  <a:schemeClr val="accent6">
-                    <a:lumMod val="75000"/>
-                  </a:schemeClr>
-                </a:solidFill>
-              </a:rPr>
-              <a:t>= </a:t>
-            </a:r>
-            <a:r>
-              <a:rPr lang="en-US" sz="1200" b="1" dirty="0" smtClean="0">
-                <a:solidFill>
-                  <a:schemeClr val="accent6">
-                    <a:lumMod val="75000"/>
-                  </a:schemeClr>
-                </a:solidFill>
-              </a:rPr>
-              <a:t>20 </a:t>
+              <a:t>f(B) = g(B) + h(B) = 10 + 10 = 20 </a:t>
             </a:r>
             <a:endParaRPr lang="en-US" sz="1200" b="1" dirty="0">
               <a:solidFill>
@@ -6354,37 +6439,7 @@
                   </a:schemeClr>
                 </a:solidFill>
               </a:rPr>
-              <a:t>f(B) = g(B) + h(B) = 16 + </a:t>
-            </a:r>
-            <a:r>
-              <a:rPr lang="en-US" sz="1200" b="1" dirty="0" smtClean="0">
-                <a:solidFill>
-                  <a:schemeClr val="accent6">
-                    <a:lumMod val="75000"/>
-                  </a:schemeClr>
-                </a:solidFill>
-              </a:rPr>
-              <a:t>7 </a:t>
-            </a:r>
-            <a:r>
-              <a:rPr lang="en-US" sz="1200" b="1" dirty="0" smtClean="0">
-                <a:solidFill>
-                  <a:schemeClr val="accent6">
-                    <a:lumMod val="75000"/>
-                  </a:schemeClr>
-                </a:solidFill>
-              </a:rPr>
-              <a:t>= </a:t>
-            </a:r>
-            <a:r>
-              <a:rPr lang="en-US" sz="1200" b="1" dirty="0" smtClean="0">
-                <a:solidFill>
-                  <a:schemeClr val="accent6">
-                    <a:lumMod val="75000"/>
-                  </a:schemeClr>
-                </a:solidFill>
-              </a:rPr>
-              <a:t>23 </a:t>
+              <a:t>f(B) = g(B) + h(B) = 16 + 7 = 23 </a:t>
             </a:r>
             <a:endParaRPr lang="en-US" sz="1200" b="1" dirty="0">
               <a:solidFill>
@@ -7649,25 +7704,8 @@
                   </a:schemeClr>
                 </a:solidFill>
               </a:rPr>
-              <a:t>Select the action from the search space that </a:t>
-            </a:r>
-            <a:r>
-              <a:rPr lang="en-US" sz="2000" b="1" dirty="0" smtClean="0">
-                <a:solidFill>
-                  <a:schemeClr val="accent6">
-                    <a:lumMod val="50000"/>
-                  </a:schemeClr>
-                </a:solidFill>
-              </a:rPr>
-              <a:t>minimizes</a:t>
-            </a:r>
-            <a:endParaRPr lang="en-US" sz="2000" b="1" dirty="0" smtClean="0">
-              <a:solidFill>
-                <a:schemeClr val="accent6">
-                  <a:lumMod val="50000"/>
-                </a:schemeClr>
-              </a:solidFill>
-            </a:endParaRPr>
+              <a:t>Select the action from the search space that minimizes</a:t>
+            </a:r>
           </a:p>
           <a:p>
             <a:pPr lvl="1"/>
@@ -14775,7 +14813,6 @@
               <a:rPr lang="en-US" b="1" u="sng" dirty="0" smtClean="0"/>
               <a:t>visited</a:t>
             </a:r>
-            <a:endParaRPr lang="en-US" b="1" u="sng" dirty="0" smtClean="0"/>
           </a:p>
           <a:p>
             <a:r>

--- a/Presentations/AI - Greedy.pptx
+++ b/Presentations/AI - Greedy.pptx
@@ -204,7 +204,7 @@
           <a:p>
             <a:fld id="{FAF957FC-5175-49AC-8D2B-2F056FFFC1DD}" type="datetimeFigureOut">
               <a:rPr lang="en-US" smtClean="0"/>
-              <a:t>7/3/2017</a:t>
+              <a:t>7/4/2017</a:t>
             </a:fld>
             <a:endParaRPr lang="en-US"/>
           </a:p>
@@ -822,7 +822,7 @@
             <a:fld id="{1D8BD707-D9CF-40AE-B4C6-C98DA3205C09}" type="datetimeFigureOut">
               <a:rPr lang="en-US" smtClean="0"/>
               <a:pPr/>
-              <a:t>7/3/2017</a:t>
+              <a:t>7/4/2017</a:t>
             </a:fld>
             <a:endParaRPr lang="en-US"/>
           </a:p>
@@ -989,7 +989,7 @@
             <a:fld id="{1D8BD707-D9CF-40AE-B4C6-C98DA3205C09}" type="datetimeFigureOut">
               <a:rPr lang="en-US" smtClean="0"/>
               <a:pPr/>
-              <a:t>7/3/2017</a:t>
+              <a:t>7/4/2017</a:t>
             </a:fld>
             <a:endParaRPr lang="en-US"/>
           </a:p>
@@ -1166,7 +1166,7 @@
             <a:fld id="{1D8BD707-D9CF-40AE-B4C6-C98DA3205C09}" type="datetimeFigureOut">
               <a:rPr lang="en-US" smtClean="0"/>
               <a:pPr/>
-              <a:t>7/3/2017</a:t>
+              <a:t>7/4/2017</a:t>
             </a:fld>
             <a:endParaRPr lang="en-US"/>
           </a:p>
@@ -1333,7 +1333,7 @@
             <a:fld id="{1D8BD707-D9CF-40AE-B4C6-C98DA3205C09}" type="datetimeFigureOut">
               <a:rPr lang="en-US" smtClean="0"/>
               <a:pPr/>
-              <a:t>7/3/2017</a:t>
+              <a:t>7/4/2017</a:t>
             </a:fld>
             <a:endParaRPr lang="en-US"/>
           </a:p>
@@ -1576,7 +1576,7 @@
             <a:fld id="{1D8BD707-D9CF-40AE-B4C6-C98DA3205C09}" type="datetimeFigureOut">
               <a:rPr lang="en-US" smtClean="0"/>
               <a:pPr/>
-              <a:t>7/3/2017</a:t>
+              <a:t>7/4/2017</a:t>
             </a:fld>
             <a:endParaRPr lang="en-US"/>
           </a:p>
@@ -1861,7 +1861,7 @@
             <a:fld id="{1D8BD707-D9CF-40AE-B4C6-C98DA3205C09}" type="datetimeFigureOut">
               <a:rPr lang="en-US" smtClean="0"/>
               <a:pPr/>
-              <a:t>7/3/2017</a:t>
+              <a:t>7/4/2017</a:t>
             </a:fld>
             <a:endParaRPr lang="en-US"/>
           </a:p>
@@ -2280,7 +2280,7 @@
             <a:fld id="{1D8BD707-D9CF-40AE-B4C6-C98DA3205C09}" type="datetimeFigureOut">
               <a:rPr lang="en-US" smtClean="0"/>
               <a:pPr/>
-              <a:t>7/3/2017</a:t>
+              <a:t>7/4/2017</a:t>
             </a:fld>
             <a:endParaRPr lang="en-US"/>
           </a:p>
@@ -2395,7 +2395,7 @@
             <a:fld id="{1D8BD707-D9CF-40AE-B4C6-C98DA3205C09}" type="datetimeFigureOut">
               <a:rPr lang="en-US" smtClean="0"/>
               <a:pPr/>
-              <a:t>7/3/2017</a:t>
+              <a:t>7/4/2017</a:t>
             </a:fld>
             <a:endParaRPr lang="en-US"/>
           </a:p>
@@ -2487,7 +2487,7 @@
             <a:fld id="{1D8BD707-D9CF-40AE-B4C6-C98DA3205C09}" type="datetimeFigureOut">
               <a:rPr lang="en-US" smtClean="0"/>
               <a:pPr/>
-              <a:t>7/3/2017</a:t>
+              <a:t>7/4/2017</a:t>
             </a:fld>
             <a:endParaRPr lang="en-US"/>
           </a:p>
@@ -2761,7 +2761,7 @@
             <a:fld id="{1D8BD707-D9CF-40AE-B4C6-C98DA3205C09}" type="datetimeFigureOut">
               <a:rPr lang="en-US" smtClean="0"/>
               <a:pPr/>
-              <a:t>7/3/2017</a:t>
+              <a:t>7/4/2017</a:t>
             </a:fld>
             <a:endParaRPr lang="en-US"/>
           </a:p>
@@ -3011,7 +3011,7 @@
             <a:fld id="{1D8BD707-D9CF-40AE-B4C6-C98DA3205C09}" type="datetimeFigureOut">
               <a:rPr lang="en-US" smtClean="0"/>
               <a:pPr/>
-              <a:t>7/3/2017</a:t>
+              <a:t>7/4/2017</a:t>
             </a:fld>
             <a:endParaRPr lang="en-US"/>
           </a:p>
@@ -3221,7 +3221,7 @@
             <a:fld id="{1D8BD707-D9CF-40AE-B4C6-C98DA3205C09}" type="datetimeFigureOut">
               <a:rPr lang="en-US" smtClean="0"/>
               <a:pPr/>
-              <a:t>7/3/2017</a:t>
+              <a:t>7/4/2017</a:t>
             </a:fld>
             <a:endParaRPr lang="en-US"/>
           </a:p>
@@ -3656,42 +3656,22 @@
                   </a:schemeClr>
                 </a:solidFill>
               </a:rPr>
-              <a:t>Portland </a:t>
-            </a:r>
-            <a:r>
-              <a:rPr lang="en-US" sz="2400" dirty="0" smtClean="0">
+              <a:t>Portland Data Science Group</a:t>
+            </a:r>
+          </a:p>
+          <a:p>
+            <a:r>
+              <a:rPr lang="en-US" sz="2400" smtClean="0">
                 <a:solidFill>
                   <a:schemeClr val="accent1">
                     <a:lumMod val="75000"/>
                   </a:schemeClr>
                 </a:solidFill>
               </a:rPr>
-              <a:t>Data Science </a:t>
-            </a:r>
-            <a:r>
-              <a:rPr lang="en-US" sz="2400" dirty="0" smtClean="0">
-                <a:solidFill>
-                  <a:schemeClr val="accent1">
-                    <a:lumMod val="75000"/>
-                  </a:schemeClr>
-                </a:solidFill>
-              </a:rPr>
-              <a:t>Group</a:t>
-            </a:r>
-          </a:p>
-          <a:p>
-            <a:r>
-              <a:rPr lang="en-US" sz="2400" dirty="0">
-                <a:solidFill>
-                  <a:schemeClr val="accent1">
-                    <a:lumMod val="75000"/>
-                  </a:schemeClr>
-                </a:solidFill>
-              </a:rPr>
-              <a:t>Andrew </a:t>
-            </a:r>
-            <a:r>
-              <a:rPr lang="en-US" sz="2400" smtClean="0">
+              <a:t>Created by Andrew </a:t>
+            </a:r>
+            <a:r>
+              <a:rPr lang="en-US" sz="2400" dirty="0" err="1" smtClean="0">
                 <a:solidFill>
                   <a:schemeClr val="accent1">
                     <a:lumMod val="75000"/>

--- a/Presentations/AI - Greedy.pptx
+++ b/Presentations/AI - Greedy.pptx
@@ -204,7 +204,7 @@
           <a:p>
             <a:fld id="{FAF957FC-5175-49AC-8D2B-2F056FFFC1DD}" type="datetimeFigureOut">
               <a:rPr lang="en-US" smtClean="0"/>
-              <a:t>7/4/2017</a:t>
+              <a:t>7/12/2017</a:t>
             </a:fld>
             <a:endParaRPr lang="en-US"/>
           </a:p>
@@ -822,7 +822,7 @@
             <a:fld id="{1D8BD707-D9CF-40AE-B4C6-C98DA3205C09}" type="datetimeFigureOut">
               <a:rPr lang="en-US" smtClean="0"/>
               <a:pPr/>
-              <a:t>7/4/2017</a:t>
+              <a:t>7/12/2017</a:t>
             </a:fld>
             <a:endParaRPr lang="en-US"/>
           </a:p>
@@ -989,7 +989,7 @@
             <a:fld id="{1D8BD707-D9CF-40AE-B4C6-C98DA3205C09}" type="datetimeFigureOut">
               <a:rPr lang="en-US" smtClean="0"/>
               <a:pPr/>
-              <a:t>7/4/2017</a:t>
+              <a:t>7/12/2017</a:t>
             </a:fld>
             <a:endParaRPr lang="en-US"/>
           </a:p>
@@ -1166,7 +1166,7 @@
             <a:fld id="{1D8BD707-D9CF-40AE-B4C6-C98DA3205C09}" type="datetimeFigureOut">
               <a:rPr lang="en-US" smtClean="0"/>
               <a:pPr/>
-              <a:t>7/4/2017</a:t>
+              <a:t>7/12/2017</a:t>
             </a:fld>
             <a:endParaRPr lang="en-US"/>
           </a:p>
@@ -1333,7 +1333,7 @@
             <a:fld id="{1D8BD707-D9CF-40AE-B4C6-C98DA3205C09}" type="datetimeFigureOut">
               <a:rPr lang="en-US" smtClean="0"/>
               <a:pPr/>
-              <a:t>7/4/2017</a:t>
+              <a:t>7/12/2017</a:t>
             </a:fld>
             <a:endParaRPr lang="en-US"/>
           </a:p>
@@ -1576,7 +1576,7 @@
             <a:fld id="{1D8BD707-D9CF-40AE-B4C6-C98DA3205C09}" type="datetimeFigureOut">
               <a:rPr lang="en-US" smtClean="0"/>
               <a:pPr/>
-              <a:t>7/4/2017</a:t>
+              <a:t>7/12/2017</a:t>
             </a:fld>
             <a:endParaRPr lang="en-US"/>
           </a:p>
@@ -1861,7 +1861,7 @@
             <a:fld id="{1D8BD707-D9CF-40AE-B4C6-C98DA3205C09}" type="datetimeFigureOut">
               <a:rPr lang="en-US" smtClean="0"/>
               <a:pPr/>
-              <a:t>7/4/2017</a:t>
+              <a:t>7/12/2017</a:t>
             </a:fld>
             <a:endParaRPr lang="en-US"/>
           </a:p>
@@ -2280,7 +2280,7 @@
             <a:fld id="{1D8BD707-D9CF-40AE-B4C6-C98DA3205C09}" type="datetimeFigureOut">
               <a:rPr lang="en-US" smtClean="0"/>
               <a:pPr/>
-              <a:t>7/4/2017</a:t>
+              <a:t>7/12/2017</a:t>
             </a:fld>
             <a:endParaRPr lang="en-US"/>
           </a:p>
@@ -2395,7 +2395,7 @@
             <a:fld id="{1D8BD707-D9CF-40AE-B4C6-C98DA3205C09}" type="datetimeFigureOut">
               <a:rPr lang="en-US" smtClean="0"/>
               <a:pPr/>
-              <a:t>7/4/2017</a:t>
+              <a:t>7/12/2017</a:t>
             </a:fld>
             <a:endParaRPr lang="en-US"/>
           </a:p>
@@ -2487,7 +2487,7 @@
             <a:fld id="{1D8BD707-D9CF-40AE-B4C6-C98DA3205C09}" type="datetimeFigureOut">
               <a:rPr lang="en-US" smtClean="0"/>
               <a:pPr/>
-              <a:t>7/4/2017</a:t>
+              <a:t>7/12/2017</a:t>
             </a:fld>
             <a:endParaRPr lang="en-US"/>
           </a:p>
@@ -2761,7 +2761,7 @@
             <a:fld id="{1D8BD707-D9CF-40AE-B4C6-C98DA3205C09}" type="datetimeFigureOut">
               <a:rPr lang="en-US" smtClean="0"/>
               <a:pPr/>
-              <a:t>7/4/2017</a:t>
+              <a:t>7/12/2017</a:t>
             </a:fld>
             <a:endParaRPr lang="en-US"/>
           </a:p>
@@ -3011,7 +3011,7 @@
             <a:fld id="{1D8BD707-D9CF-40AE-B4C6-C98DA3205C09}" type="datetimeFigureOut">
               <a:rPr lang="en-US" smtClean="0"/>
               <a:pPr/>
-              <a:t>7/4/2017</a:t>
+              <a:t>7/12/2017</a:t>
             </a:fld>
             <a:endParaRPr lang="en-US"/>
           </a:p>
@@ -3221,7 +3221,7 @@
             <a:fld id="{1D8BD707-D9CF-40AE-B4C6-C98DA3205C09}" type="datetimeFigureOut">
               <a:rPr lang="en-US" smtClean="0"/>
               <a:pPr/>
-              <a:t>7/4/2017</a:t>
+              <a:t>7/12/2017</a:t>
             </a:fld>
             <a:endParaRPr lang="en-US"/>
           </a:p>
@@ -6569,12 +6569,16 @@
               <a:t>function </a:t>
             </a:r>
             <a:r>
+              <a:rPr lang="en-US" b="1" smtClean="0"/>
+              <a:t>AStar( </a:t>
+            </a:r>
+            <a:r>
               <a:rPr lang="en-US" b="1" dirty="0" smtClean="0"/>
-              <a:t>Greedy( </a:t>
+              <a:t>root </a:t>
             </a:r>
             <a:r>
               <a:rPr lang="en-US" b="1" dirty="0"/>
-              <a:t>root , goal)</a:t>
+              <a:t>, goal)</a:t>
             </a:r>
             <a:r>
               <a:rPr lang="en-US" dirty="0"/>
@@ -6951,14 +6955,13 @@
               <a:t>frontier </a:t>
             </a:r>
             <a:r>
-              <a:rPr lang="en-US" b="1"/>
+              <a:rPr lang="en-US" b="1" dirty="0"/>
               <a:t>or </a:t>
             </a:r>
             <a:r>
-              <a:rPr lang="en-US" b="1" u="sng" smtClean="0"/>
+              <a:rPr lang="en-US" b="1" u="sng" dirty="0" smtClean="0"/>
               <a:t>visited</a:t>
             </a:r>
-            <a:endParaRPr lang="en-US" b="1" u="sng" dirty="0" smtClean="0"/>
           </a:p>
           <a:p>
             <a:r>

--- a/Presentations/AI - Greedy.pptx
+++ b/Presentations/AI - Greedy.pptx
@@ -204,7 +204,7 @@
           <a:p>
             <a:fld id="{FAF957FC-5175-49AC-8D2B-2F056FFFC1DD}" type="datetimeFigureOut">
               <a:rPr lang="en-US" smtClean="0"/>
-              <a:t>7/12/2017</a:t>
+              <a:t>7/16/2017</a:t>
             </a:fld>
             <a:endParaRPr lang="en-US"/>
           </a:p>
@@ -822,7 +822,7 @@
             <a:fld id="{1D8BD707-D9CF-40AE-B4C6-C98DA3205C09}" type="datetimeFigureOut">
               <a:rPr lang="en-US" smtClean="0"/>
               <a:pPr/>
-              <a:t>7/12/2017</a:t>
+              <a:t>7/16/2017</a:t>
             </a:fld>
             <a:endParaRPr lang="en-US"/>
           </a:p>
@@ -989,7 +989,7 @@
             <a:fld id="{1D8BD707-D9CF-40AE-B4C6-C98DA3205C09}" type="datetimeFigureOut">
               <a:rPr lang="en-US" smtClean="0"/>
               <a:pPr/>
-              <a:t>7/12/2017</a:t>
+              <a:t>7/16/2017</a:t>
             </a:fld>
             <a:endParaRPr lang="en-US"/>
           </a:p>
@@ -1166,7 +1166,7 @@
             <a:fld id="{1D8BD707-D9CF-40AE-B4C6-C98DA3205C09}" type="datetimeFigureOut">
               <a:rPr lang="en-US" smtClean="0"/>
               <a:pPr/>
-              <a:t>7/12/2017</a:t>
+              <a:t>7/16/2017</a:t>
             </a:fld>
             <a:endParaRPr lang="en-US"/>
           </a:p>
@@ -1333,7 +1333,7 @@
             <a:fld id="{1D8BD707-D9CF-40AE-B4C6-C98DA3205C09}" type="datetimeFigureOut">
               <a:rPr lang="en-US" smtClean="0"/>
               <a:pPr/>
-              <a:t>7/12/2017</a:t>
+              <a:t>7/16/2017</a:t>
             </a:fld>
             <a:endParaRPr lang="en-US"/>
           </a:p>
@@ -1576,7 +1576,7 @@
             <a:fld id="{1D8BD707-D9CF-40AE-B4C6-C98DA3205C09}" type="datetimeFigureOut">
               <a:rPr lang="en-US" smtClean="0"/>
               <a:pPr/>
-              <a:t>7/12/2017</a:t>
+              <a:t>7/16/2017</a:t>
             </a:fld>
             <a:endParaRPr lang="en-US"/>
           </a:p>
@@ -1861,7 +1861,7 @@
             <a:fld id="{1D8BD707-D9CF-40AE-B4C6-C98DA3205C09}" type="datetimeFigureOut">
               <a:rPr lang="en-US" smtClean="0"/>
               <a:pPr/>
-              <a:t>7/12/2017</a:t>
+              <a:t>7/16/2017</a:t>
             </a:fld>
             <a:endParaRPr lang="en-US"/>
           </a:p>
@@ -2280,7 +2280,7 @@
             <a:fld id="{1D8BD707-D9CF-40AE-B4C6-C98DA3205C09}" type="datetimeFigureOut">
               <a:rPr lang="en-US" smtClean="0"/>
               <a:pPr/>
-              <a:t>7/12/2017</a:t>
+              <a:t>7/16/2017</a:t>
             </a:fld>
             <a:endParaRPr lang="en-US"/>
           </a:p>
@@ -2395,7 +2395,7 @@
             <a:fld id="{1D8BD707-D9CF-40AE-B4C6-C98DA3205C09}" type="datetimeFigureOut">
               <a:rPr lang="en-US" smtClean="0"/>
               <a:pPr/>
-              <a:t>7/12/2017</a:t>
+              <a:t>7/16/2017</a:t>
             </a:fld>
             <a:endParaRPr lang="en-US"/>
           </a:p>
@@ -2487,7 +2487,7 @@
             <a:fld id="{1D8BD707-D9CF-40AE-B4C6-C98DA3205C09}" type="datetimeFigureOut">
               <a:rPr lang="en-US" smtClean="0"/>
               <a:pPr/>
-              <a:t>7/12/2017</a:t>
+              <a:t>7/16/2017</a:t>
             </a:fld>
             <a:endParaRPr lang="en-US"/>
           </a:p>
@@ -2761,7 +2761,7 @@
             <a:fld id="{1D8BD707-D9CF-40AE-B4C6-C98DA3205C09}" type="datetimeFigureOut">
               <a:rPr lang="en-US" smtClean="0"/>
               <a:pPr/>
-              <a:t>7/12/2017</a:t>
+              <a:t>7/16/2017</a:t>
             </a:fld>
             <a:endParaRPr lang="en-US"/>
           </a:p>
@@ -3011,7 +3011,7 @@
             <a:fld id="{1D8BD707-D9CF-40AE-B4C6-C98DA3205C09}" type="datetimeFigureOut">
               <a:rPr lang="en-US" smtClean="0"/>
               <a:pPr/>
-              <a:t>7/12/2017</a:t>
+              <a:t>7/16/2017</a:t>
             </a:fld>
             <a:endParaRPr lang="en-US"/>
           </a:p>
@@ -3221,7 +3221,7 @@
             <a:fld id="{1D8BD707-D9CF-40AE-B4C6-C98DA3205C09}" type="datetimeFigureOut">
               <a:rPr lang="en-US" smtClean="0"/>
               <a:pPr/>
-              <a:t>7/12/2017</a:t>
+              <a:t>7/16/2017</a:t>
             </a:fld>
             <a:endParaRPr lang="en-US"/>
           </a:p>
@@ -13112,7 +13112,7 @@
         </p:nvSpPr>
         <p:spPr>
           <a:xfrm>
-            <a:off x="1216273" y="3290041"/>
+            <a:off x="378073" y="3336607"/>
             <a:ext cx="838200" cy="762000"/>
           </a:xfrm>
           <a:prstGeom prst="dodecagon">
@@ -13287,8 +13287,8 @@
         </p:nvCxnSpPr>
         <p:spPr>
           <a:xfrm flipH="1">
-            <a:off x="1942170" y="2553441"/>
-            <a:ext cx="2298700" cy="838694"/>
+            <a:off x="1103970" y="2553441"/>
+            <a:ext cx="3136900" cy="885260"/>
           </a:xfrm>
           <a:prstGeom prst="straightConnector1">
             <a:avLst/>
@@ -13397,7 +13397,7 @@
         </p:nvSpPr>
         <p:spPr>
           <a:xfrm>
-            <a:off x="2128839" y="3486375"/>
+            <a:off x="1216273" y="3540207"/>
             <a:ext cx="902811" cy="369332"/>
           </a:xfrm>
           <a:prstGeom prst="rect">
@@ -13427,7 +13427,7 @@
         </p:nvSpPr>
         <p:spPr>
           <a:xfrm>
-            <a:off x="4919791" y="3486375"/>
+            <a:off x="4814186" y="3518866"/>
             <a:ext cx="902811" cy="369332"/>
           </a:xfrm>
           <a:prstGeom prst="rect">
@@ -13746,7 +13746,7 @@
         </p:nvSpPr>
         <p:spPr>
           <a:xfrm>
-            <a:off x="4744827" y="4222531"/>
+            <a:off x="4206057" y="4898211"/>
             <a:ext cx="1077539" cy="369332"/>
           </a:xfrm>
           <a:prstGeom prst="rect">
@@ -14264,6 +14264,118 @@
                 </a:solidFill>
               </a:rPr>
               <a:t>Optimal is 4,4</a:t>
+            </a:r>
+            <a:endParaRPr lang="en-US" dirty="0"/>
+          </a:p>
+        </p:txBody>
+      </p:sp>
+      <p:sp>
+        <p:nvSpPr>
+          <p:cNvPr id="36" name="Dodecagon 35"/>
+          <p:cNvSpPr/>
+          <p:nvPr/>
+        </p:nvSpPr>
+        <p:spPr>
+          <a:xfrm>
+            <a:off x="2119084" y="3343873"/>
+            <a:ext cx="838200" cy="762000"/>
+          </a:xfrm>
+          <a:prstGeom prst="dodecagon">
+            <a:avLst/>
+          </a:prstGeom>
+        </p:spPr>
+        <p:style>
+          <a:lnRef idx="2">
+            <a:schemeClr val="accent1">
+              <a:shade val="50000"/>
+            </a:schemeClr>
+          </a:lnRef>
+          <a:fillRef idx="1">
+            <a:schemeClr val="accent1"/>
+          </a:fillRef>
+          <a:effectRef idx="0">
+            <a:schemeClr val="accent1"/>
+          </a:effectRef>
+          <a:fontRef idx="minor">
+            <a:schemeClr val="lt1"/>
+          </a:fontRef>
+        </p:style>
+        <p:txBody>
+          <a:bodyPr rtlCol="0" anchor="ctr"/>
+          <a:lstStyle/>
+          <a:p>
+            <a:pPr algn="ctr"/>
+            <a:r>
+              <a:rPr lang="en-US" dirty="0" smtClean="0"/>
+              <a:t>2</a:t>
+            </a:r>
+            <a:endParaRPr lang="en-US" dirty="0"/>
+          </a:p>
+        </p:txBody>
+      </p:sp>
+      <p:cxnSp>
+        <p:nvCxnSpPr>
+          <p:cNvPr id="46" name="Straight Arrow Connector 45"/>
+          <p:cNvCxnSpPr>
+            <a:endCxn id="36" idx="0"/>
+          </p:cNvCxnSpPr>
+          <p:nvPr/>
+        </p:nvCxnSpPr>
+        <p:spPr>
+          <a:xfrm flipH="1">
+            <a:off x="2844981" y="2591173"/>
+            <a:ext cx="1214098" cy="854794"/>
+          </a:xfrm>
+          <a:prstGeom prst="straightConnector1">
+            <a:avLst/>
+          </a:prstGeom>
+          <a:ln w="25400">
+            <a:solidFill>
+              <a:schemeClr val="tx1"/>
+            </a:solidFill>
+            <a:tailEnd type="arrow"/>
+          </a:ln>
+        </p:spPr>
+        <p:style>
+          <a:lnRef idx="1">
+            <a:schemeClr val="accent1"/>
+          </a:lnRef>
+          <a:fillRef idx="0">
+            <a:schemeClr val="accent1"/>
+          </a:fillRef>
+          <a:effectRef idx="0">
+            <a:schemeClr val="accent1"/>
+          </a:effectRef>
+          <a:fontRef idx="minor">
+            <a:schemeClr val="tx1"/>
+          </a:fontRef>
+        </p:style>
+      </p:cxnSp>
+      <p:sp>
+        <p:nvSpPr>
+          <p:cNvPr id="47" name="TextBox 46"/>
+          <p:cNvSpPr txBox="1"/>
+          <p:nvPr/>
+        </p:nvSpPr>
+        <p:spPr>
+          <a:xfrm>
+            <a:off x="2957284" y="3540207"/>
+            <a:ext cx="955711" cy="369332"/>
+          </a:xfrm>
+          <a:prstGeom prst="rect">
+            <a:avLst/>
+          </a:prstGeom>
+          <a:noFill/>
+        </p:spPr>
+        <p:txBody>
+          <a:bodyPr wrap="none" rtlCol="0">
+            <a:spAutoFit/>
+          </a:bodyPr>
+          <a:lstStyle/>
+          <a:p>
+            <a:r>
+              <a:rPr lang="en-US" dirty="0" smtClean="0"/>
+              <a:t>h(2)  = 6</a:t>
             </a:r>
             <a:endParaRPr lang="en-US" dirty="0"/>
           </a:p>

--- a/Presentations/AI - Greedy.pptx
+++ b/Presentations/AI - Greedy.pptx
@@ -204,7 +204,7 @@
           <a:p>
             <a:fld id="{FAF957FC-5175-49AC-8D2B-2F056FFFC1DD}" type="datetimeFigureOut">
               <a:rPr lang="en-US" smtClean="0"/>
-              <a:t>7/16/2017</a:t>
+              <a:t>10/24/2017</a:t>
             </a:fld>
             <a:endParaRPr lang="en-US"/>
           </a:p>
@@ -822,7 +822,7 @@
             <a:fld id="{1D8BD707-D9CF-40AE-B4C6-C98DA3205C09}" type="datetimeFigureOut">
               <a:rPr lang="en-US" smtClean="0"/>
               <a:pPr/>
-              <a:t>7/16/2017</a:t>
+              <a:t>10/24/2017</a:t>
             </a:fld>
             <a:endParaRPr lang="en-US"/>
           </a:p>
@@ -989,7 +989,7 @@
             <a:fld id="{1D8BD707-D9CF-40AE-B4C6-C98DA3205C09}" type="datetimeFigureOut">
               <a:rPr lang="en-US" smtClean="0"/>
               <a:pPr/>
-              <a:t>7/16/2017</a:t>
+              <a:t>10/24/2017</a:t>
             </a:fld>
             <a:endParaRPr lang="en-US"/>
           </a:p>
@@ -1166,7 +1166,7 @@
             <a:fld id="{1D8BD707-D9CF-40AE-B4C6-C98DA3205C09}" type="datetimeFigureOut">
               <a:rPr lang="en-US" smtClean="0"/>
               <a:pPr/>
-              <a:t>7/16/2017</a:t>
+              <a:t>10/24/2017</a:t>
             </a:fld>
             <a:endParaRPr lang="en-US"/>
           </a:p>
@@ -1333,7 +1333,7 @@
             <a:fld id="{1D8BD707-D9CF-40AE-B4C6-C98DA3205C09}" type="datetimeFigureOut">
               <a:rPr lang="en-US" smtClean="0"/>
               <a:pPr/>
-              <a:t>7/16/2017</a:t>
+              <a:t>10/24/2017</a:t>
             </a:fld>
             <a:endParaRPr lang="en-US"/>
           </a:p>
@@ -1576,7 +1576,7 @@
             <a:fld id="{1D8BD707-D9CF-40AE-B4C6-C98DA3205C09}" type="datetimeFigureOut">
               <a:rPr lang="en-US" smtClean="0"/>
               <a:pPr/>
-              <a:t>7/16/2017</a:t>
+              <a:t>10/24/2017</a:t>
             </a:fld>
             <a:endParaRPr lang="en-US"/>
           </a:p>
@@ -1861,7 +1861,7 @@
             <a:fld id="{1D8BD707-D9CF-40AE-B4C6-C98DA3205C09}" type="datetimeFigureOut">
               <a:rPr lang="en-US" smtClean="0"/>
               <a:pPr/>
-              <a:t>7/16/2017</a:t>
+              <a:t>10/24/2017</a:t>
             </a:fld>
             <a:endParaRPr lang="en-US"/>
           </a:p>
@@ -2280,7 +2280,7 @@
             <a:fld id="{1D8BD707-D9CF-40AE-B4C6-C98DA3205C09}" type="datetimeFigureOut">
               <a:rPr lang="en-US" smtClean="0"/>
               <a:pPr/>
-              <a:t>7/16/2017</a:t>
+              <a:t>10/24/2017</a:t>
             </a:fld>
             <a:endParaRPr lang="en-US"/>
           </a:p>
@@ -2395,7 +2395,7 @@
             <a:fld id="{1D8BD707-D9CF-40AE-B4C6-C98DA3205C09}" type="datetimeFigureOut">
               <a:rPr lang="en-US" smtClean="0"/>
               <a:pPr/>
-              <a:t>7/16/2017</a:t>
+              <a:t>10/24/2017</a:t>
             </a:fld>
             <a:endParaRPr lang="en-US"/>
           </a:p>
@@ -2487,7 +2487,7 @@
             <a:fld id="{1D8BD707-D9CF-40AE-B4C6-C98DA3205C09}" type="datetimeFigureOut">
               <a:rPr lang="en-US" smtClean="0"/>
               <a:pPr/>
-              <a:t>7/16/2017</a:t>
+              <a:t>10/24/2017</a:t>
             </a:fld>
             <a:endParaRPr lang="en-US"/>
           </a:p>
@@ -2761,7 +2761,7 @@
             <a:fld id="{1D8BD707-D9CF-40AE-B4C6-C98DA3205C09}" type="datetimeFigureOut">
               <a:rPr lang="en-US" smtClean="0"/>
               <a:pPr/>
-              <a:t>7/16/2017</a:t>
+              <a:t>10/24/2017</a:t>
             </a:fld>
             <a:endParaRPr lang="en-US"/>
           </a:p>
@@ -3011,7 +3011,7 @@
             <a:fld id="{1D8BD707-D9CF-40AE-B4C6-C98DA3205C09}" type="datetimeFigureOut">
               <a:rPr lang="en-US" smtClean="0"/>
               <a:pPr/>
-              <a:t>7/16/2017</a:t>
+              <a:t>10/24/2017</a:t>
             </a:fld>
             <a:endParaRPr lang="en-US"/>
           </a:p>
@@ -3221,7 +3221,7 @@
             <a:fld id="{1D8BD707-D9CF-40AE-B4C6-C98DA3205C09}" type="datetimeFigureOut">
               <a:rPr lang="en-US" smtClean="0"/>
               <a:pPr/>
-              <a:t>7/16/2017</a:t>
+              <a:t>10/24/2017</a:t>
             </a:fld>
             <a:endParaRPr lang="en-US"/>
           </a:p>
@@ -3656,12 +3656,19 @@
                   </a:schemeClr>
                 </a:solidFill>
               </a:rPr>
-              <a:t>Portland Data Science Group</a:t>
-            </a:r>
-          </a:p>
-          <a:p>
-            <a:r>
-              <a:rPr lang="en-US" sz="2400" smtClean="0">
+              <a:t>Artificial Intelligence Training</a:t>
+            </a:r>
+            <a:endParaRPr lang="en-US" sz="2400" dirty="0" smtClean="0">
+              <a:solidFill>
+                <a:schemeClr val="accent1">
+                  <a:lumMod val="75000"/>
+                </a:schemeClr>
+              </a:solidFill>
+            </a:endParaRPr>
+          </a:p>
+          <a:p>
+            <a:r>
+              <a:rPr lang="en-US" sz="2400" dirty="0" smtClean="0">
                 <a:solidFill>
                   <a:schemeClr val="accent1">
                     <a:lumMod val="75000"/>
@@ -3681,7 +3688,7 @@
               <a:t>Ferlitsch</a:t>
             </a:r>
             <a:r>
-              <a:rPr lang="en-US" sz="2400" dirty="0">
+              <a:rPr lang="en-US" sz="2400">
                 <a:solidFill>
                   <a:schemeClr val="accent1">
                     <a:lumMod val="75000"/>
@@ -3691,7 +3698,7 @@
               <a:t/>
             </a:r>
             <a:br>
-              <a:rPr lang="en-US" sz="2400" dirty="0">
+              <a:rPr lang="en-US" sz="2400">
                 <a:solidFill>
                   <a:schemeClr val="accent1">
                     <a:lumMod val="75000"/>
@@ -3700,35 +3707,31 @@
               </a:rPr>
             </a:br>
             <a:r>
-              <a:rPr lang="en-US" sz="2400" dirty="0">
+              <a:rPr lang="en-US" sz="2400" smtClean="0">
                 <a:solidFill>
                   <a:schemeClr val="accent1">
                     <a:lumMod val="75000"/>
                   </a:schemeClr>
                 </a:solidFill>
               </a:rPr>
-              <a:t>Community Outreach </a:t>
-            </a:r>
-            <a:r>
-              <a:rPr lang="en-US" sz="2400" dirty="0" smtClean="0">
+              <a:t>Instructor</a:t>
+            </a:r>
+            <a:br>
+              <a:rPr lang="en-US" sz="2400" smtClean="0">
                 <a:solidFill>
                   <a:schemeClr val="accent1">
                     <a:lumMod val="75000"/>
                   </a:schemeClr>
                 </a:solidFill>
               </a:rPr>
-              <a:t>Officer</a:t>
-            </a:r>
-            <a:r>
-              <a:rPr lang="en-US" sz="2400" dirty="0" smtClean="0"/>
-              <a:t/>
-            </a:r>
-            <a:br>
-              <a:rPr lang="en-US" sz="2400" dirty="0" smtClean="0"/>
             </a:br>
             <a:r>
+              <a:rPr lang="en-US" sz="1800" smtClean="0"/>
+              <a:t>June</a:t>
+            </a:r>
+            <a:r>
               <a:rPr lang="en-US" sz="1800" dirty="0" smtClean="0"/>
-              <a:t>June, 2017</a:t>
+              <a:t>, 2017</a:t>
             </a:r>
             <a:endParaRPr lang="en-US" sz="1800" dirty="0"/>
           </a:p>

--- a/Presentations/AI - Greedy.pptx
+++ b/Presentations/AI - Greedy.pptx
@@ -204,7 +204,7 @@
           <a:p>
             <a:fld id="{FAF957FC-5175-49AC-8D2B-2F056FFFC1DD}" type="datetimeFigureOut">
               <a:rPr lang="en-US" smtClean="0"/>
-              <a:t>10/24/2017</a:t>
+              <a:t>10/25/2017</a:t>
             </a:fld>
             <a:endParaRPr lang="en-US"/>
           </a:p>
@@ -822,7 +822,7 @@
             <a:fld id="{1D8BD707-D9CF-40AE-B4C6-C98DA3205C09}" type="datetimeFigureOut">
               <a:rPr lang="en-US" smtClean="0"/>
               <a:pPr/>
-              <a:t>10/24/2017</a:t>
+              <a:t>10/25/2017</a:t>
             </a:fld>
             <a:endParaRPr lang="en-US"/>
           </a:p>
@@ -989,7 +989,7 @@
             <a:fld id="{1D8BD707-D9CF-40AE-B4C6-C98DA3205C09}" type="datetimeFigureOut">
               <a:rPr lang="en-US" smtClean="0"/>
               <a:pPr/>
-              <a:t>10/24/2017</a:t>
+              <a:t>10/25/2017</a:t>
             </a:fld>
             <a:endParaRPr lang="en-US"/>
           </a:p>
@@ -1166,7 +1166,7 @@
             <a:fld id="{1D8BD707-D9CF-40AE-B4C6-C98DA3205C09}" type="datetimeFigureOut">
               <a:rPr lang="en-US" smtClean="0"/>
               <a:pPr/>
-              <a:t>10/24/2017</a:t>
+              <a:t>10/25/2017</a:t>
             </a:fld>
             <a:endParaRPr lang="en-US"/>
           </a:p>
@@ -1333,7 +1333,7 @@
             <a:fld id="{1D8BD707-D9CF-40AE-B4C6-C98DA3205C09}" type="datetimeFigureOut">
               <a:rPr lang="en-US" smtClean="0"/>
               <a:pPr/>
-              <a:t>10/24/2017</a:t>
+              <a:t>10/25/2017</a:t>
             </a:fld>
             <a:endParaRPr lang="en-US"/>
           </a:p>
@@ -1576,7 +1576,7 @@
             <a:fld id="{1D8BD707-D9CF-40AE-B4C6-C98DA3205C09}" type="datetimeFigureOut">
               <a:rPr lang="en-US" smtClean="0"/>
               <a:pPr/>
-              <a:t>10/24/2017</a:t>
+              <a:t>10/25/2017</a:t>
             </a:fld>
             <a:endParaRPr lang="en-US"/>
           </a:p>
@@ -1861,7 +1861,7 @@
             <a:fld id="{1D8BD707-D9CF-40AE-B4C6-C98DA3205C09}" type="datetimeFigureOut">
               <a:rPr lang="en-US" smtClean="0"/>
               <a:pPr/>
-              <a:t>10/24/2017</a:t>
+              <a:t>10/25/2017</a:t>
             </a:fld>
             <a:endParaRPr lang="en-US"/>
           </a:p>
@@ -2280,7 +2280,7 @@
             <a:fld id="{1D8BD707-D9CF-40AE-B4C6-C98DA3205C09}" type="datetimeFigureOut">
               <a:rPr lang="en-US" smtClean="0"/>
               <a:pPr/>
-              <a:t>10/24/2017</a:t>
+              <a:t>10/25/2017</a:t>
             </a:fld>
             <a:endParaRPr lang="en-US"/>
           </a:p>
@@ -2395,7 +2395,7 @@
             <a:fld id="{1D8BD707-D9CF-40AE-B4C6-C98DA3205C09}" type="datetimeFigureOut">
               <a:rPr lang="en-US" smtClean="0"/>
               <a:pPr/>
-              <a:t>10/24/2017</a:t>
+              <a:t>10/25/2017</a:t>
             </a:fld>
             <a:endParaRPr lang="en-US"/>
           </a:p>
@@ -2487,7 +2487,7 @@
             <a:fld id="{1D8BD707-D9CF-40AE-B4C6-C98DA3205C09}" type="datetimeFigureOut">
               <a:rPr lang="en-US" smtClean="0"/>
               <a:pPr/>
-              <a:t>10/24/2017</a:t>
+              <a:t>10/25/2017</a:t>
             </a:fld>
             <a:endParaRPr lang="en-US"/>
           </a:p>
@@ -2761,7 +2761,7 @@
             <a:fld id="{1D8BD707-D9CF-40AE-B4C6-C98DA3205C09}" type="datetimeFigureOut">
               <a:rPr lang="en-US" smtClean="0"/>
               <a:pPr/>
-              <a:t>10/24/2017</a:t>
+              <a:t>10/25/2017</a:t>
             </a:fld>
             <a:endParaRPr lang="en-US"/>
           </a:p>
@@ -3011,7 +3011,7 @@
             <a:fld id="{1D8BD707-D9CF-40AE-B4C6-C98DA3205C09}" type="datetimeFigureOut">
               <a:rPr lang="en-US" smtClean="0"/>
               <a:pPr/>
-              <a:t>10/24/2017</a:t>
+              <a:t>10/25/2017</a:t>
             </a:fld>
             <a:endParaRPr lang="en-US"/>
           </a:p>
@@ -3221,7 +3221,7 @@
             <a:fld id="{1D8BD707-D9CF-40AE-B4C6-C98DA3205C09}" type="datetimeFigureOut">
               <a:rPr lang="en-US" smtClean="0"/>
               <a:pPr/>
-              <a:t>10/24/2017</a:t>
+              <a:t>10/25/2017</a:t>
             </a:fld>
             <a:endParaRPr lang="en-US"/>
           </a:p>
@@ -3658,13 +3658,6 @@
               </a:rPr>
               <a:t>Artificial Intelligence Training</a:t>
             </a:r>
-            <a:endParaRPr lang="en-US" sz="2400" dirty="0" smtClean="0">
-              <a:solidFill>
-                <a:schemeClr val="accent1">
-                  <a:lumMod val="75000"/>
-                </a:schemeClr>
-              </a:solidFill>
-            </a:endParaRPr>
           </a:p>
           <a:p>
             <a:r>
@@ -3979,7 +3972,7 @@
         <p:spPr>
           <a:xfrm>
             <a:off x="28575" y="990600"/>
-            <a:ext cx="9127692" cy="5940088"/>
+            <a:ext cx="9895081" cy="5940088"/>
           </a:xfrm>
           <a:prstGeom prst="rect">
             <a:avLst/>
@@ -3997,14 +3990,14 @@
               <a:buChar char="•"/>
             </a:pPr>
             <a:r>
-              <a:rPr lang="en-US" sz="2400" b="1" dirty="0" smtClean="0">
+              <a:rPr lang="en-US" sz="2400" b="1" smtClean="0">
                 <a:solidFill>
                   <a:schemeClr val="accent5">
                     <a:lumMod val="75000"/>
                   </a:schemeClr>
                 </a:solidFill>
               </a:rPr>
-              <a:t>A </a:t>
+              <a:t>An improved </a:t>
             </a:r>
             <a:r>
               <a:rPr lang="en-US" sz="2400" b="1" dirty="0" smtClean="0">
